--- a/_site/content/Week15/lecture.pptx
+++ b/_site/content/Week15/lecture.pptx
@@ -12,6 +12,19 @@
     <p:sldId id="260" r:id="rId6"/>
     <p:sldId id="261" r:id="rId7"/>
     <p:sldId id="262" r:id="rId8"/>
+    <p:sldId id="263" r:id="rId9"/>
+    <p:sldId id="264" r:id="rId10"/>
+    <p:sldId id="265" r:id="rId11"/>
+    <p:sldId id="266" r:id="rId12"/>
+    <p:sldId id="267" r:id="rId13"/>
+    <p:sldId id="268" r:id="rId14"/>
+    <p:sldId id="269" r:id="rId15"/>
+    <p:sldId id="270" r:id="rId16"/>
+    <p:sldId id="271" r:id="rId17"/>
+    <p:sldId id="272" r:id="rId18"/>
+    <p:sldId id="273" r:id="rId19"/>
+    <p:sldId id="274" r:id="rId20"/>
+    <p:sldId id="275" r:id="rId21"/>
   </p:sldIdLst>
   <p:sldSz cx="12192000" cy="6858000"/>
   <p:notesSz cx="6858000" cy="9144000"/>
@@ -4892,7 +4905,7 @@
             </a:pPr>
             <a:r>
               <a:rPr/>
-              <a:t>Lecture 15:  Title</a:t>
+              <a:t>Lecture 15:  Chip, QA &amp; Recap</a:t>
             </a:r>
           </a:p>
         </p:txBody>
@@ -4928,7 +4941,7 @@
             </a:pPr>
             <a:r>
               <a:rPr/>
-              <a:t>Template</a:t>
+              <a:t>Reading Week next week</a:t>
             </a:r>
             <a:br/>
             <a:br/>
@@ -4975,7 +4988,7 @@
 </p:sld>
 </file>
 
-<file path=ppt/slides/slide2.xml><?xml version="1.0" encoding="utf-8"?>
+<file path=ppt/slides/slide10.xml><?xml version="1.0" encoding="utf-8"?>
 <p:sld xmlns:a="http://schemas.openxmlformats.org/drawingml/2006/main" xmlns:r="http://schemas.openxmlformats.org/officeDocument/2006/relationships" xmlns:p="http://schemas.openxmlformats.org/presentationml/2006/main">
   <p:cSld>
     <p:spTree>
@@ -5026,7 +5039,7 @@
             </a:pPr>
             <a:r>
               <a:rPr/>
-              <a:t>Template</a:t>
+              <a:t>I ask for your help</a:t>
             </a:r>
           </a:p>
         </p:txBody>
@@ -5052,21 +5065,38 @@
           <a:bodyPr/>
           <a:lstStyle/>
           <a:p>
-            <a:pPr lvl="0" indent="0" marL="0">
-              <a:buNone/>
-            </a:pPr>
+            <a:pPr lvl="0"/>
             <a:r>
               <a:rPr/>
-              <a:t>I apologise for my unexpected absence at the end of last term.</a:t>
-            </a:r>
-          </a:p>
-          <a:p>
-            <a:pPr lvl="0" indent="0" marL="0">
-              <a:buNone/>
-            </a:pPr>
+              <a:t>I shall be circulating performing a data sudit</a:t>
+            </a:r>
+          </a:p>
+          <a:p>
+            <a:pPr lvl="0"/>
             <a:r>
               <a:rPr/>
-              <a:t>It was unavoidable, but I shall endeavour to repay your patience this year.</a:t>
+              <a:t>So please turn up if you can</a:t>
+            </a:r>
+          </a:p>
+          <a:p>
+            <a:pPr lvl="0"/>
+            <a:r>
+              <a:rPr/>
+              <a:t>Be ready to give me a status on your data collection efforts and plans for stopping</a:t>
+            </a:r>
+          </a:p>
+          <a:p>
+            <a:pPr lvl="0"/>
+            <a:r>
+              <a:rPr/>
+              <a:t>We will decide if I need to fabricate data for you</a:t>
+            </a:r>
+          </a:p>
+          <a:p>
+            <a:pPr lvl="0"/>
+            <a:r>
+              <a:rPr/>
+              <a:t>Please put a message on Whatsapp</a:t>
             </a:r>
           </a:p>
         </p:txBody>
@@ -5076,7 +5106,7 @@
 </p:sld>
 </file>
 
-<file path=ppt/slides/slide3.xml><?xml version="1.0" encoding="utf-8"?>
+<file path=ppt/slides/slide11.xml><?xml version="1.0" encoding="utf-8"?>
 <p:sld xmlns:a="http://schemas.openxmlformats.org/drawingml/2006/main" xmlns:r="http://schemas.openxmlformats.org/officeDocument/2006/relationships" xmlns:p="http://schemas.openxmlformats.org/presentationml/2006/main">
   <p:cSld>
     <p:spTree>
@@ -5098,7 +5128,7 @@
           <p:cNvPr id="2" name="Title 1">
             <a:extLst>
               <a:ext uri="{FF2B5EF4-FFF2-40B4-BE49-F238E27FC236}">
-                <a16:creationId xmlns:a16="http://schemas.microsoft.com/office/drawing/2014/main" id="{DD9B8E45-0772-954C-8D4B-6E6808DFEDED}"/>
+                <a16:creationId xmlns:a16="http://schemas.microsoft.com/office/drawing/2014/main" id="{FF6A6CB2-D1B6-B94A-84C1-83C65423C650}"/>
               </a:ext>
             </a:extLst>
           </p:cNvPr>
@@ -5111,8 +5141,8 @@
         </p:nvSpPr>
         <p:spPr>
           <a:xfrm>
-            <a:off x="838200" y="365129"/>
-            <a:ext cx="10002520" cy="1325563"/>
+            <a:off x="831851" y="1709742"/>
+            <a:ext cx="10515600" cy="2852737"/>
           </a:xfrm>
           <a:prstGeom prst="rect">
             <a:avLst/>
@@ -5127,43 +5157,7 @@
             </a:pPr>
             <a:r>
               <a:rPr/>
-              <a:t>Template</a:t>
-            </a:r>
-          </a:p>
-        </p:txBody>
-      </p:sp>
-      <p:sp>
-        <p:nvSpPr>
-          <p:cNvPr id="3" name="Content Placeholder 2">
-            <a:extLst>
-              <a:ext uri="{FF2B5EF4-FFF2-40B4-BE49-F238E27FC236}">
-                <a16:creationId xmlns:a16="http://schemas.microsoft.com/office/drawing/2014/main" id="{A4EB24F9-04F1-C843-9D71-56C5C024552B}"/>
-              </a:ext>
-            </a:extLst>
-          </p:cNvPr>
-          <p:cNvSpPr>
-            <a:spLocks noGrp="1"/>
-          </p:cNvSpPr>
-          <p:nvPr>
-            <p:ph idx="1"/>
-          </p:nvPr>
-        </p:nvSpPr>
-        <p:spPr/>
-        <p:txBody>
-          <a:bodyPr/>
-          <a:lstStyle/>
-          <a:p>
-            <a:pPr lvl="0"/>
-            <a:r>
-              <a:rPr/>
-              <a:t>An overview of the CHIP Learning Log coursework</a:t>
-            </a:r>
-          </a:p>
-          <a:p>
-            <a:pPr lvl="0"/>
-            <a:r>
-              <a:rPr/>
-              <a:t>Lab activity this term - Data collection, data preparation, analysis and writing up.</a:t>
+              <a:t>Now let’s quickly discuss CHIP</a:t>
             </a:r>
           </a:p>
         </p:txBody>
@@ -5173,7 +5167,7 @@
 </p:sld>
 </file>
 
-<file path=ppt/slides/slide4.xml><?xml version="1.0" encoding="utf-8"?>
+<file path=ppt/slides/slide12.xml><?xml version="1.0" encoding="utf-8"?>
 <p:sld xmlns:a="http://schemas.openxmlformats.org/drawingml/2006/main" xmlns:r="http://schemas.openxmlformats.org/officeDocument/2006/relationships" xmlns:p="http://schemas.openxmlformats.org/presentationml/2006/main">
   <p:cSld>
     <p:spTree>
@@ -5195,7 +5189,7 @@
           <p:cNvPr id="2" name="Title 1">
             <a:extLst>
               <a:ext uri="{FF2B5EF4-FFF2-40B4-BE49-F238E27FC236}">
-                <a16:creationId xmlns:a16="http://schemas.microsoft.com/office/drawing/2014/main" id="{FF6A6CB2-D1B6-B94A-84C1-83C65423C650}"/>
+                <a16:creationId xmlns:a16="http://schemas.microsoft.com/office/drawing/2014/main" id="{DD9B8E45-0772-954C-8D4B-6E6808DFEDED}"/>
               </a:ext>
             </a:extLst>
           </p:cNvPr>
@@ -5208,8 +5202,8 @@
         </p:nvSpPr>
         <p:spPr>
           <a:xfrm>
-            <a:off x="831851" y="1709742"/>
-            <a:ext cx="10515600" cy="2852737"/>
+            <a:off x="838200" y="365129"/>
+            <a:ext cx="10002520" cy="1325563"/>
           </a:xfrm>
           <a:prstGeom prst="rect">
             <a:avLst/>
@@ -5224,17 +5218,412 @@
             </a:pPr>
             <a:r>
               <a:rPr/>
-              <a:t>Template Section</a:t>
+              <a:t>CHIP Assignment(s)</a:t>
+            </a:r>
+          </a:p>
+        </p:txBody>
+      </p:sp>
+      <p:sp>
+        <p:nvSpPr>
+          <p:cNvPr id="3" name="Content Placeholder 2">
+            <a:extLst>
+              <a:ext uri="{FF2B5EF4-FFF2-40B4-BE49-F238E27FC236}">
+                <a16:creationId xmlns:a16="http://schemas.microsoft.com/office/drawing/2014/main" id="{A4EB24F9-04F1-C843-9D71-56C5C024552B}"/>
+              </a:ext>
+            </a:extLst>
+          </p:cNvPr>
+          <p:cNvSpPr>
+            <a:spLocks noGrp="1"/>
+          </p:cNvSpPr>
+          <p:nvPr>
+            <p:ph idx="1"/>
+          </p:nvPr>
+        </p:nvSpPr>
+        <p:spPr/>
+        <p:txBody>
+          <a:bodyPr/>
+          <a:lstStyle/>
+          <a:p>
+            <a:pPr lvl="0"/>
+            <a:r>
+              <a:rPr/>
+              <a:t>Coursework piece designed to allow you to engage reflexively with the ‘big picture’ of your degree</a:t>
+            </a:r>
+          </a:p>
+          <a:p>
+            <a:pPr lvl="0"/>
+            <a:r>
+              <a:rPr/>
+              <a:t>Think about how these issues link into psychology as a discipline, and how they relate to your own thoughts about what psychology is or should be</a:t>
+            </a:r>
+          </a:p>
+          <a:p>
+            <a:pPr lvl="0"/>
+            <a:r>
+              <a:rPr/>
+              <a:t>Two ‘reflective accounts’ of max 600 words each (Not including obligatory reference list)</a:t>
+            </a:r>
+          </a:p>
+          <a:p>
+            <a:pPr lvl="0"/>
+            <a:r>
+              <a:rPr b="1" u="sng"/>
+              <a:t>Marks are awarded for reflection</a:t>
+            </a:r>
+            <a:r>
+              <a:rPr/>
+              <a:t>, evidence of learning and bring topics together. Please see marking criteria for both accounts.</a:t>
+            </a:r>
+          </a:p>
+          <a:p>
+            <a:pPr lvl="0"/>
+            <a:r>
+              <a:rPr/>
+              <a:t>Not looking for a restatement of the facts in the lectures etc.</a:t>
+            </a:r>
+          </a:p>
+          <a:p>
+            <a:pPr lvl="0"/>
+            <a:r>
+              <a:rPr b="1" u="sng"/>
+              <a:t>They are designed to be personal and reflective – embrace this aspect!</a:t>
             </a:r>
           </a:p>
         </p:txBody>
       </p:sp>
     </p:spTree>
   </p:cSld>
+  <p:timing>
+    <p:tnLst>
+      <p:par>
+        <p:cTn id="1" dur="indefinite" restart="never" nodeType="tmRoot">
+          <p:childTnLst>
+            <p:seq concurrent="1" nextAc="seek">
+              <p:cTn id="2" dur="indefinite" nodeType="mainSeq">
+                <p:childTnLst>
+                  <p:par>
+                    <p:cTn id="3" fill="hold">
+                      <p:stCondLst>
+                        <p:cond delay="indefinite"/>
+                      </p:stCondLst>
+                      <p:childTnLst>
+                        <p:par>
+                          <p:cTn id="4" fill="hold">
+                            <p:stCondLst>
+                              <p:cond delay="0"/>
+                            </p:stCondLst>
+                            <p:childTnLst>
+                              <p:par>
+                                <p:cTn id="5" presetID="1" presetClass="entr" presetSubtype="0" fill="hold" grpId="0" nodeType="clickEffect">
+                                  <p:stCondLst>
+                                    <p:cond delay="0"/>
+                                  </p:stCondLst>
+                                  <p:childTnLst>
+                                    <p:set>
+                                      <p:cBhvr>
+                                        <p:cTn id="6" dur="1" fill="hold">
+                                          <p:stCondLst>
+                                            <p:cond delay="0"/>
+                                          </p:stCondLst>
+                                        </p:cTn>
+                                        <p:tgtEl>
+                                          <p:spTgt spid="3">
+                                            <p:txEl>
+                                              <p:pRg st="0" end="0"/>
+                                            </p:txEl>
+                                          </p:spTgt>
+                                        </p:tgtEl>
+                                        <p:attrNameLst>
+                                          <p:attrName>style.visibility</p:attrName>
+                                        </p:attrNameLst>
+                                      </p:cBhvr>
+                                      <p:to>
+                                        <p:strVal val="visible"/>
+                                      </p:to>
+                                    </p:set>
+                                  </p:childTnLst>
+                                </p:cTn>
+                              </p:par>
+                            </p:childTnLst>
+                          </p:cTn>
+                        </p:par>
+                      </p:childTnLst>
+                    </p:cTn>
+                  </p:par>
+                  <p:par>
+                    <p:cTn id="7" fill="hold">
+                      <p:stCondLst>
+                        <p:cond delay="indefinite"/>
+                      </p:stCondLst>
+                      <p:childTnLst>
+                        <p:par>
+                          <p:cTn id="8" fill="hold">
+                            <p:stCondLst>
+                              <p:cond delay="0"/>
+                            </p:stCondLst>
+                            <p:childTnLst>
+                              <p:par>
+                                <p:cTn id="9" presetID="1" presetClass="entr" presetSubtype="0" fill="hold" grpId="0" nodeType="clickEffect">
+                                  <p:stCondLst>
+                                    <p:cond delay="0"/>
+                                  </p:stCondLst>
+                                  <p:childTnLst>
+                                    <p:set>
+                                      <p:cBhvr>
+                                        <p:cTn id="10" dur="1" fill="hold">
+                                          <p:stCondLst>
+                                            <p:cond delay="0"/>
+                                          </p:stCondLst>
+                                        </p:cTn>
+                                        <p:tgtEl>
+                                          <p:spTgt spid="3">
+                                            <p:txEl>
+                                              <p:pRg st="1" end="1"/>
+                                            </p:txEl>
+                                          </p:spTgt>
+                                        </p:tgtEl>
+                                        <p:attrNameLst>
+                                          <p:attrName>style.visibility</p:attrName>
+                                        </p:attrNameLst>
+                                      </p:cBhvr>
+                                      <p:to>
+                                        <p:strVal val="visible"/>
+                                      </p:to>
+                                    </p:set>
+                                  </p:childTnLst>
+                                </p:cTn>
+                              </p:par>
+                            </p:childTnLst>
+                          </p:cTn>
+                        </p:par>
+                      </p:childTnLst>
+                    </p:cTn>
+                  </p:par>
+                  <p:par>
+                    <p:cTn id="11" fill="hold">
+                      <p:stCondLst>
+                        <p:cond delay="indefinite"/>
+                      </p:stCondLst>
+                      <p:childTnLst>
+                        <p:par>
+                          <p:cTn id="12" fill="hold">
+                            <p:stCondLst>
+                              <p:cond delay="0"/>
+                            </p:stCondLst>
+                            <p:childTnLst>
+                              <p:par>
+                                <p:cTn id="13" presetID="1" presetClass="entr" presetSubtype="0" fill="hold" grpId="0" nodeType="clickEffect">
+                                  <p:stCondLst>
+                                    <p:cond delay="0"/>
+                                  </p:stCondLst>
+                                  <p:childTnLst>
+                                    <p:set>
+                                      <p:cBhvr>
+                                        <p:cTn id="14" dur="1" fill="hold">
+                                          <p:stCondLst>
+                                            <p:cond delay="0"/>
+                                          </p:stCondLst>
+                                        </p:cTn>
+                                        <p:tgtEl>
+                                          <p:spTgt spid="3">
+                                            <p:txEl>
+                                              <p:pRg st="2" end="2"/>
+                                            </p:txEl>
+                                          </p:spTgt>
+                                        </p:tgtEl>
+                                        <p:attrNameLst>
+                                          <p:attrName>style.visibility</p:attrName>
+                                        </p:attrNameLst>
+                                      </p:cBhvr>
+                                      <p:to>
+                                        <p:strVal val="visible"/>
+                                      </p:to>
+                                    </p:set>
+                                  </p:childTnLst>
+                                </p:cTn>
+                              </p:par>
+                            </p:childTnLst>
+                          </p:cTn>
+                        </p:par>
+                      </p:childTnLst>
+                    </p:cTn>
+                  </p:par>
+                  <p:par>
+                    <p:cTn id="15" fill="hold">
+                      <p:stCondLst>
+                        <p:cond delay="indefinite"/>
+                      </p:stCondLst>
+                      <p:childTnLst>
+                        <p:par>
+                          <p:cTn id="16" fill="hold">
+                            <p:stCondLst>
+                              <p:cond delay="0"/>
+                            </p:stCondLst>
+                            <p:childTnLst>
+                              <p:par>
+                                <p:cTn id="17" presetID="1" presetClass="entr" presetSubtype="0" fill="hold" grpId="0" nodeType="clickEffect">
+                                  <p:stCondLst>
+                                    <p:cond delay="0"/>
+                                  </p:stCondLst>
+                                  <p:childTnLst>
+                                    <p:set>
+                                      <p:cBhvr>
+                                        <p:cTn id="18" dur="1" fill="hold">
+                                          <p:stCondLst>
+                                            <p:cond delay="0"/>
+                                          </p:stCondLst>
+                                        </p:cTn>
+                                        <p:tgtEl>
+                                          <p:spTgt spid="3">
+                                            <p:txEl>
+                                              <p:pRg st="3" end="3"/>
+                                            </p:txEl>
+                                          </p:spTgt>
+                                        </p:tgtEl>
+                                        <p:attrNameLst>
+                                          <p:attrName>style.visibility</p:attrName>
+                                        </p:attrNameLst>
+                                      </p:cBhvr>
+                                      <p:to>
+                                        <p:strVal val="visible"/>
+                                      </p:to>
+                                    </p:set>
+                                  </p:childTnLst>
+                                </p:cTn>
+                              </p:par>
+                            </p:childTnLst>
+                          </p:cTn>
+                        </p:par>
+                      </p:childTnLst>
+                    </p:cTn>
+                  </p:par>
+                  <p:par>
+                    <p:cTn id="19" fill="hold">
+                      <p:stCondLst>
+                        <p:cond delay="indefinite"/>
+                      </p:stCondLst>
+                      <p:childTnLst>
+                        <p:par>
+                          <p:cTn id="20" fill="hold">
+                            <p:stCondLst>
+                              <p:cond delay="0"/>
+                            </p:stCondLst>
+                            <p:childTnLst>
+                              <p:par>
+                                <p:cTn id="21" presetID="1" presetClass="entr" presetSubtype="0" fill="hold" grpId="0" nodeType="clickEffect">
+                                  <p:stCondLst>
+                                    <p:cond delay="0"/>
+                                  </p:stCondLst>
+                                  <p:childTnLst>
+                                    <p:set>
+                                      <p:cBhvr>
+                                        <p:cTn id="22" dur="1" fill="hold">
+                                          <p:stCondLst>
+                                            <p:cond delay="0"/>
+                                          </p:stCondLst>
+                                        </p:cTn>
+                                        <p:tgtEl>
+                                          <p:spTgt spid="3">
+                                            <p:txEl>
+                                              <p:pRg st="4" end="4"/>
+                                            </p:txEl>
+                                          </p:spTgt>
+                                        </p:tgtEl>
+                                        <p:attrNameLst>
+                                          <p:attrName>style.visibility</p:attrName>
+                                        </p:attrNameLst>
+                                      </p:cBhvr>
+                                      <p:to>
+                                        <p:strVal val="visible"/>
+                                      </p:to>
+                                    </p:set>
+                                  </p:childTnLst>
+                                </p:cTn>
+                              </p:par>
+                            </p:childTnLst>
+                          </p:cTn>
+                        </p:par>
+                      </p:childTnLst>
+                    </p:cTn>
+                  </p:par>
+                  <p:par>
+                    <p:cTn id="23" fill="hold">
+                      <p:stCondLst>
+                        <p:cond delay="indefinite"/>
+                      </p:stCondLst>
+                      <p:childTnLst>
+                        <p:par>
+                          <p:cTn id="24" fill="hold">
+                            <p:stCondLst>
+                              <p:cond delay="0"/>
+                            </p:stCondLst>
+                            <p:childTnLst>
+                              <p:par>
+                                <p:cTn id="25" presetID="1" presetClass="entr" presetSubtype="0" fill="hold" grpId="0" nodeType="clickEffect">
+                                  <p:stCondLst>
+                                    <p:cond delay="0"/>
+                                  </p:stCondLst>
+                                  <p:childTnLst>
+                                    <p:set>
+                                      <p:cBhvr>
+                                        <p:cTn id="26" dur="1" fill="hold">
+                                          <p:stCondLst>
+                                            <p:cond delay="0"/>
+                                          </p:stCondLst>
+                                        </p:cTn>
+                                        <p:tgtEl>
+                                          <p:spTgt spid="3">
+                                            <p:txEl>
+                                              <p:pRg st="5" end="5"/>
+                                            </p:txEl>
+                                          </p:spTgt>
+                                        </p:tgtEl>
+                                        <p:attrNameLst>
+                                          <p:attrName>style.visibility</p:attrName>
+                                        </p:attrNameLst>
+                                      </p:cBhvr>
+                                      <p:to>
+                                        <p:strVal val="visible"/>
+                                      </p:to>
+                                    </p:set>
+                                  </p:childTnLst>
+                                </p:cTn>
+                              </p:par>
+                            </p:childTnLst>
+                          </p:cTn>
+                        </p:par>
+                      </p:childTnLst>
+                    </p:cTn>
+                  </p:par>
+                </p:childTnLst>
+              </p:cTn>
+              <p:prevCondLst>
+                <p:cond evt="onPrev" delay="0">
+                  <p:tgtEl>
+                    <p:sldTgt/>
+                  </p:tgtEl>
+                </p:cond>
+              </p:prevCondLst>
+              <p:nextCondLst>
+                <p:cond evt="onNext" delay="0">
+                  <p:tgtEl>
+                    <p:sldTgt/>
+                  </p:tgtEl>
+                </p:cond>
+              </p:nextCondLst>
+            </p:seq>
+          </p:childTnLst>
+        </p:cTn>
+      </p:par>
+    </p:tnLst>
+    <p:bldLst>
+      <p:bldP spid="3" grpId="0" uiExpand="1" build="p"/>
+    </p:bldLst>
+  </p:timing>
 </p:sld>
 </file>
 
-<file path=ppt/slides/slide5.xml><?xml version="1.0" encoding="utf-8"?>
+<file path=ppt/slides/slide13.xml><?xml version="1.0" encoding="utf-8"?>
 <p:sld xmlns:a="http://schemas.openxmlformats.org/drawingml/2006/main" xmlns:r="http://schemas.openxmlformats.org/officeDocument/2006/relationships" xmlns:p="http://schemas.openxmlformats.org/presentationml/2006/main">
   <p:cSld>
     <p:spTree>
@@ -5285,7 +5674,7 @@
             </a:pPr>
             <a:r>
               <a:rPr/>
-              <a:t>Template</a:t>
+              <a:t>Reflective Account 1</a:t>
             </a:r>
           </a:p>
         </p:txBody>
@@ -5316,28 +5705,93 @@
             </a:pPr>
             <a:r>
               <a:rPr/>
-              <a:t>Template</a:t>
+              <a:t>Essay 1 is based on the content of ONE of the topics and should adopt at least two of the following 6 ‘perspectives’.</a:t>
             </a:r>
           </a:p>
           <a:p>
             <a:pPr lvl="0"/>
             <a:r>
               <a:rPr/>
-              <a:t>Template</a:t>
+              <a:t>As a </a:t>
+            </a:r>
+            <a:r>
+              <a:rPr b="1"/>
+              <a:t>STUDENT</a:t>
+            </a:r>
+            <a:r>
+              <a:rPr/>
+              <a:t> of psychology</a:t>
             </a:r>
           </a:p>
           <a:p>
             <a:pPr lvl="0"/>
             <a:r>
               <a:rPr/>
-              <a:t>Template</a:t>
+              <a:t>As a </a:t>
+            </a:r>
+            <a:r>
+              <a:rPr b="1"/>
+              <a:t>TRAINEE</a:t>
+            </a:r>
+            <a:r>
+              <a:rPr/>
+              <a:t> psychologist</a:t>
             </a:r>
           </a:p>
           <a:p>
             <a:pPr lvl="0"/>
             <a:r>
               <a:rPr/>
-              <a:t>Template</a:t>
+              <a:t>In relation to a </a:t>
+            </a:r>
+            <a:r>
+              <a:rPr b="1"/>
+              <a:t>RESEARCH</a:t>
+            </a:r>
+            <a:r>
+              <a:rPr/>
+              <a:t> application in your future</a:t>
+            </a:r>
+          </a:p>
+          <a:p>
+            <a:pPr lvl="0"/>
+            <a:r>
+              <a:rPr/>
+              <a:t>As an </a:t>
+            </a:r>
+            <a:r>
+              <a:rPr b="1"/>
+              <a:t>HISTORIAN</a:t>
+            </a:r>
+            <a:r>
+              <a:rPr/>
+              <a:t> of psychology</a:t>
+            </a:r>
+          </a:p>
+          <a:p>
+            <a:pPr lvl="0"/>
+            <a:r>
+              <a:rPr/>
+              <a:t>Reporting on the culture or </a:t>
+            </a:r>
+            <a:r>
+              <a:rPr b="1"/>
+              <a:t>PRACTICE</a:t>
+            </a:r>
+            <a:r>
+              <a:rPr/>
+              <a:t> of psychology as it currently exists here or across cultures</a:t>
+            </a:r>
+          </a:p>
+          <a:p>
+            <a:pPr lvl="0"/>
+            <a:r>
+              <a:rPr/>
+              <a:t>As a critic or supporter of psychology’s status as a </a:t>
+            </a:r>
+            <a:r>
+              <a:rPr b="1"/>
+              <a:t>SCIENCE</a:t>
             </a:r>
           </a:p>
         </p:txBody>
@@ -5499,6 +5953,153 @@
                       </p:childTnLst>
                     </p:cTn>
                   </p:par>
+                  <p:par>
+                    <p:cTn id="15" fill="hold">
+                      <p:stCondLst>
+                        <p:cond delay="indefinite"/>
+                      </p:stCondLst>
+                      <p:childTnLst>
+                        <p:par>
+                          <p:cTn id="16" fill="hold">
+                            <p:stCondLst>
+                              <p:cond delay="0"/>
+                            </p:stCondLst>
+                            <p:childTnLst>
+                              <p:par>
+                                <p:cTn id="17" presetID="1" presetClass="entr" presetSubtype="0" fill="hold" grpId="0" nodeType="clickEffect">
+                                  <p:stCondLst>
+                                    <p:cond delay="0"/>
+                                  </p:stCondLst>
+                                  <p:childTnLst>
+                                    <p:set>
+                                      <p:cBhvr>
+                                        <p:cTn id="18" dur="1" fill="hold">
+                                          <p:stCondLst>
+                                            <p:cond delay="0"/>
+                                          </p:stCondLst>
+                                        </p:cTn>
+                                        <p:tgtEl>
+                                          <p:spTgt spid="3">
+                                            <p:txEl>
+                                              <p:pRg st="4" end="4"/>
+                                            </p:txEl>
+                                          </p:spTgt>
+                                        </p:tgtEl>
+                                        <p:attrNameLst>
+                                          <p:attrName>style.visibility</p:attrName>
+                                        </p:attrNameLst>
+                                      </p:cBhvr>
+                                      <p:to>
+                                        <p:strVal val="visible"/>
+                                      </p:to>
+                                    </p:set>
+                                  </p:childTnLst>
+                                </p:cTn>
+                              </p:par>
+                            </p:childTnLst>
+                          </p:cTn>
+                        </p:par>
+                      </p:childTnLst>
+                    </p:cTn>
+                  </p:par>
+                  <p:par>
+                    <p:cTn id="19" fill="hold">
+                      <p:stCondLst>
+                        <p:cond delay="indefinite"/>
+                      </p:stCondLst>
+                      <p:childTnLst>
+                        <p:par>
+                          <p:cTn id="20" fill="hold">
+                            <p:stCondLst>
+                              <p:cond delay="0"/>
+                            </p:stCondLst>
+                            <p:childTnLst>
+                              <p:par>
+                                <p:cTn id="21" presetID="1" presetClass="entr" presetSubtype="0" fill="hold" grpId="0" nodeType="clickEffect">
+                                  <p:stCondLst>
+                                    <p:cond delay="0"/>
+                                  </p:stCondLst>
+                                  <p:childTnLst>
+                                    <p:set>
+                                      <p:cBhvr>
+                                        <p:cTn id="22" dur="1" fill="hold">
+                                          <p:stCondLst>
+                                            <p:cond delay="0"/>
+                                          </p:stCondLst>
+                                        </p:cTn>
+                                        <p:tgtEl>
+                                          <p:spTgt spid="3">
+                                            <p:txEl>
+                                              <p:pRg st="5" end="5"/>
+                                            </p:txEl>
+                                          </p:spTgt>
+                                        </p:tgtEl>
+                                        <p:attrNameLst>
+                                          <p:attrName>style.visibility</p:attrName>
+                                        </p:attrNameLst>
+                                      </p:cBhvr>
+                                      <p:to>
+                                        <p:strVal val="visible"/>
+                                      </p:to>
+                                    </p:set>
+                                  </p:childTnLst>
+                                </p:cTn>
+                              </p:par>
+                            </p:childTnLst>
+                          </p:cTn>
+                        </p:par>
+                      </p:childTnLst>
+                    </p:cTn>
+                  </p:par>
+                  <p:par>
+                    <p:cTn id="23" fill="hold">
+                      <p:stCondLst>
+                        <p:cond delay="indefinite"/>
+                      </p:stCondLst>
+                      <p:childTnLst>
+                        <p:par>
+                          <p:cTn id="24" fill="hold">
+                            <p:stCondLst>
+                              <p:cond delay="0"/>
+                            </p:stCondLst>
+                            <p:childTnLst>
+                              <p:par>
+                                <p:cTn id="25" presetID="1" presetClass="entr" presetSubtype="0" fill="hold" grpId="0" nodeType="clickEffect">
+                                  <p:stCondLst>
+                                    <p:cond delay="0"/>
+                                  </p:stCondLst>
+                                  <p:childTnLst>
+                                    <p:set>
+                                      <p:cBhvr>
+                                        <p:cTn id="26" dur="1" fill="hold">
+                                          <p:stCondLst>
+                                            <p:cond delay="0"/>
+                                          </p:stCondLst>
+                                        </p:cTn>
+                                        <p:tgtEl>
+                                          <p:spTgt spid="3">
+                                            <p:txEl>
+                                              <p:pRg st="6" end="6"/>
+                                            </p:txEl>
+                                          </p:spTgt>
+                                        </p:tgtEl>
+                                        <p:attrNameLst>
+                                          <p:attrName>style.visibility</p:attrName>
+                                        </p:attrNameLst>
+                                      </p:cBhvr>
+                                      <p:to>
+                                        <p:strVal val="visible"/>
+                                      </p:to>
+                                    </p:set>
+                                  </p:childTnLst>
+                                </p:cTn>
+                              </p:par>
+                            </p:childTnLst>
+                          </p:cTn>
+                        </p:par>
+                      </p:childTnLst>
+                    </p:cTn>
+                  </p:par>
                 </p:childTnLst>
               </p:cTn>
               <p:prevCondLst>
@@ -5527,6 +6128,2874 @@
 </p:sld>
 </file>
 
+<file path=ppt/slides/slide14.xml><?xml version="1.0" encoding="utf-8"?>
+<p:sld xmlns:a="http://schemas.openxmlformats.org/drawingml/2006/main" xmlns:r="http://schemas.openxmlformats.org/officeDocument/2006/relationships" xmlns:p="http://schemas.openxmlformats.org/presentationml/2006/main">
+  <p:cSld>
+    <p:spTree>
+      <p:nvGrpSpPr>
+        <p:cNvPr id="1" name=""/>
+        <p:cNvGrpSpPr/>
+        <p:nvPr/>
+      </p:nvGrpSpPr>
+      <p:grpSpPr>
+        <a:xfrm>
+          <a:off x="0" y="0"/>
+          <a:ext cx="0" cy="0"/>
+          <a:chOff x="0" y="0"/>
+          <a:chExt cx="0" cy="0"/>
+        </a:xfrm>
+      </p:grpSpPr>
+      <p:sp>
+        <p:nvSpPr>
+          <p:cNvPr id="2" name="Title 1">
+            <a:extLst>
+              <a:ext uri="{FF2B5EF4-FFF2-40B4-BE49-F238E27FC236}">
+                <a16:creationId xmlns:a16="http://schemas.microsoft.com/office/drawing/2014/main" id="{DD9B8E45-0772-954C-8D4B-6E6808DFEDED}"/>
+              </a:ext>
+            </a:extLst>
+          </p:cNvPr>
+          <p:cNvSpPr>
+            <a:spLocks noGrp="1"/>
+          </p:cNvSpPr>
+          <p:nvPr>
+            <p:ph type="title"/>
+          </p:nvPr>
+        </p:nvSpPr>
+        <p:spPr>
+          <a:xfrm>
+            <a:off x="838200" y="365129"/>
+            <a:ext cx="10002520" cy="1325563"/>
+          </a:xfrm>
+          <a:prstGeom prst="rect">
+            <a:avLst/>
+          </a:prstGeom>
+        </p:spPr>
+        <p:txBody>
+          <a:bodyPr/>
+          <a:lstStyle/>
+          <a:p>
+            <a:pPr lvl="0" indent="0" marL="0">
+              <a:buNone/>
+            </a:pPr>
+            <a:r>
+              <a:rPr/>
+              <a:t>Reflective Account 1 tips</a:t>
+            </a:r>
+          </a:p>
+        </p:txBody>
+      </p:sp>
+      <p:sp>
+        <p:nvSpPr>
+          <p:cNvPr id="3" name="Content Placeholder 2">
+            <a:extLst>
+              <a:ext uri="{FF2B5EF4-FFF2-40B4-BE49-F238E27FC236}">
+                <a16:creationId xmlns:a16="http://schemas.microsoft.com/office/drawing/2014/main" id="{A4EB24F9-04F1-C843-9D71-56C5C024552B}"/>
+              </a:ext>
+            </a:extLst>
+          </p:cNvPr>
+          <p:cNvSpPr>
+            <a:spLocks noGrp="1"/>
+          </p:cNvSpPr>
+          <p:nvPr>
+            <p:ph idx="1"/>
+          </p:nvPr>
+        </p:nvSpPr>
+        <p:spPr/>
+        <p:txBody>
+          <a:bodyPr/>
+          <a:lstStyle/>
+          <a:p>
+            <a:pPr lvl="0"/>
+            <a:r>
+              <a:rPr/>
+              <a:t>Ask a specific question – and answer it.</a:t>
+            </a:r>
+          </a:p>
+          <a:p>
+            <a:pPr lvl="0"/>
+            <a:r>
+              <a:rPr/>
+              <a:t>Intro, body, conclusion structure.</a:t>
+            </a:r>
+          </a:p>
+          <a:p>
+            <a:pPr lvl="0"/>
+            <a:r>
+              <a:rPr/>
+              <a:t>Reflect on the topic and give your own opinion as to the answer!</a:t>
+            </a:r>
+          </a:p>
+          <a:p>
+            <a:pPr lvl="0"/>
+            <a:r>
+              <a:rPr/>
+              <a:t>Present a journey in your learning or appreciation of the topic</a:t>
+            </a:r>
+          </a:p>
+          <a:p>
+            <a:pPr lvl="0"/>
+            <a:r>
+              <a:rPr/>
+              <a:t>Ensure your answer is argued using examples</a:t>
+            </a:r>
+          </a:p>
+          <a:p>
+            <a:pPr lvl="0"/>
+            <a:r>
+              <a:rPr/>
+              <a:t>Use evidence in your argument from a range of sources, ideally do some strategic wider reading</a:t>
+            </a:r>
+          </a:p>
+          <a:p>
+            <a:pPr lvl="0"/>
+            <a:r>
+              <a:rPr/>
+              <a:t>Present and reference it well</a:t>
+            </a:r>
+          </a:p>
+        </p:txBody>
+      </p:sp>
+    </p:spTree>
+  </p:cSld>
+  <p:timing>
+    <p:tnLst>
+      <p:par>
+        <p:cTn id="1" dur="indefinite" restart="never" nodeType="tmRoot">
+          <p:childTnLst>
+            <p:seq concurrent="1" nextAc="seek">
+              <p:cTn id="2" dur="indefinite" nodeType="mainSeq">
+                <p:childTnLst>
+                  <p:par>
+                    <p:cTn id="3" fill="hold">
+                      <p:stCondLst>
+                        <p:cond delay="indefinite"/>
+                      </p:stCondLst>
+                      <p:childTnLst>
+                        <p:par>
+                          <p:cTn id="4" fill="hold">
+                            <p:stCondLst>
+                              <p:cond delay="0"/>
+                            </p:stCondLst>
+                            <p:childTnLst>
+                              <p:par>
+                                <p:cTn id="5" presetID="1" presetClass="entr" presetSubtype="0" fill="hold" grpId="0" nodeType="clickEffect">
+                                  <p:stCondLst>
+                                    <p:cond delay="0"/>
+                                  </p:stCondLst>
+                                  <p:childTnLst>
+                                    <p:set>
+                                      <p:cBhvr>
+                                        <p:cTn id="6" dur="1" fill="hold">
+                                          <p:stCondLst>
+                                            <p:cond delay="0"/>
+                                          </p:stCondLst>
+                                        </p:cTn>
+                                        <p:tgtEl>
+                                          <p:spTgt spid="3">
+                                            <p:txEl>
+                                              <p:pRg st="0" end="0"/>
+                                            </p:txEl>
+                                          </p:spTgt>
+                                        </p:tgtEl>
+                                        <p:attrNameLst>
+                                          <p:attrName>style.visibility</p:attrName>
+                                        </p:attrNameLst>
+                                      </p:cBhvr>
+                                      <p:to>
+                                        <p:strVal val="visible"/>
+                                      </p:to>
+                                    </p:set>
+                                  </p:childTnLst>
+                                </p:cTn>
+                              </p:par>
+                            </p:childTnLst>
+                          </p:cTn>
+                        </p:par>
+                      </p:childTnLst>
+                    </p:cTn>
+                  </p:par>
+                  <p:par>
+                    <p:cTn id="7" fill="hold">
+                      <p:stCondLst>
+                        <p:cond delay="indefinite"/>
+                      </p:stCondLst>
+                      <p:childTnLst>
+                        <p:par>
+                          <p:cTn id="8" fill="hold">
+                            <p:stCondLst>
+                              <p:cond delay="0"/>
+                            </p:stCondLst>
+                            <p:childTnLst>
+                              <p:par>
+                                <p:cTn id="9" presetID="1" presetClass="entr" presetSubtype="0" fill="hold" grpId="0" nodeType="clickEffect">
+                                  <p:stCondLst>
+                                    <p:cond delay="0"/>
+                                  </p:stCondLst>
+                                  <p:childTnLst>
+                                    <p:set>
+                                      <p:cBhvr>
+                                        <p:cTn id="10" dur="1" fill="hold">
+                                          <p:stCondLst>
+                                            <p:cond delay="0"/>
+                                          </p:stCondLst>
+                                        </p:cTn>
+                                        <p:tgtEl>
+                                          <p:spTgt spid="3">
+                                            <p:txEl>
+                                              <p:pRg st="1" end="1"/>
+                                            </p:txEl>
+                                          </p:spTgt>
+                                        </p:tgtEl>
+                                        <p:attrNameLst>
+                                          <p:attrName>style.visibility</p:attrName>
+                                        </p:attrNameLst>
+                                      </p:cBhvr>
+                                      <p:to>
+                                        <p:strVal val="visible"/>
+                                      </p:to>
+                                    </p:set>
+                                  </p:childTnLst>
+                                </p:cTn>
+                              </p:par>
+                            </p:childTnLst>
+                          </p:cTn>
+                        </p:par>
+                      </p:childTnLst>
+                    </p:cTn>
+                  </p:par>
+                  <p:par>
+                    <p:cTn id="11" fill="hold">
+                      <p:stCondLst>
+                        <p:cond delay="indefinite"/>
+                      </p:stCondLst>
+                      <p:childTnLst>
+                        <p:par>
+                          <p:cTn id="12" fill="hold">
+                            <p:stCondLst>
+                              <p:cond delay="0"/>
+                            </p:stCondLst>
+                            <p:childTnLst>
+                              <p:par>
+                                <p:cTn id="13" presetID="1" presetClass="entr" presetSubtype="0" fill="hold" grpId="0" nodeType="clickEffect">
+                                  <p:stCondLst>
+                                    <p:cond delay="0"/>
+                                  </p:stCondLst>
+                                  <p:childTnLst>
+                                    <p:set>
+                                      <p:cBhvr>
+                                        <p:cTn id="14" dur="1" fill="hold">
+                                          <p:stCondLst>
+                                            <p:cond delay="0"/>
+                                          </p:stCondLst>
+                                        </p:cTn>
+                                        <p:tgtEl>
+                                          <p:spTgt spid="3">
+                                            <p:txEl>
+                                              <p:pRg st="2" end="2"/>
+                                            </p:txEl>
+                                          </p:spTgt>
+                                        </p:tgtEl>
+                                        <p:attrNameLst>
+                                          <p:attrName>style.visibility</p:attrName>
+                                        </p:attrNameLst>
+                                      </p:cBhvr>
+                                      <p:to>
+                                        <p:strVal val="visible"/>
+                                      </p:to>
+                                    </p:set>
+                                  </p:childTnLst>
+                                </p:cTn>
+                              </p:par>
+                            </p:childTnLst>
+                          </p:cTn>
+                        </p:par>
+                      </p:childTnLst>
+                    </p:cTn>
+                  </p:par>
+                  <p:par>
+                    <p:cTn id="15" fill="hold">
+                      <p:stCondLst>
+                        <p:cond delay="indefinite"/>
+                      </p:stCondLst>
+                      <p:childTnLst>
+                        <p:par>
+                          <p:cTn id="16" fill="hold">
+                            <p:stCondLst>
+                              <p:cond delay="0"/>
+                            </p:stCondLst>
+                            <p:childTnLst>
+                              <p:par>
+                                <p:cTn id="17" presetID="1" presetClass="entr" presetSubtype="0" fill="hold" grpId="0" nodeType="clickEffect">
+                                  <p:stCondLst>
+                                    <p:cond delay="0"/>
+                                  </p:stCondLst>
+                                  <p:childTnLst>
+                                    <p:set>
+                                      <p:cBhvr>
+                                        <p:cTn id="18" dur="1" fill="hold">
+                                          <p:stCondLst>
+                                            <p:cond delay="0"/>
+                                          </p:stCondLst>
+                                        </p:cTn>
+                                        <p:tgtEl>
+                                          <p:spTgt spid="3">
+                                            <p:txEl>
+                                              <p:pRg st="3" end="3"/>
+                                            </p:txEl>
+                                          </p:spTgt>
+                                        </p:tgtEl>
+                                        <p:attrNameLst>
+                                          <p:attrName>style.visibility</p:attrName>
+                                        </p:attrNameLst>
+                                      </p:cBhvr>
+                                      <p:to>
+                                        <p:strVal val="visible"/>
+                                      </p:to>
+                                    </p:set>
+                                  </p:childTnLst>
+                                </p:cTn>
+                              </p:par>
+                            </p:childTnLst>
+                          </p:cTn>
+                        </p:par>
+                      </p:childTnLst>
+                    </p:cTn>
+                  </p:par>
+                  <p:par>
+                    <p:cTn id="19" fill="hold">
+                      <p:stCondLst>
+                        <p:cond delay="indefinite"/>
+                      </p:stCondLst>
+                      <p:childTnLst>
+                        <p:par>
+                          <p:cTn id="20" fill="hold">
+                            <p:stCondLst>
+                              <p:cond delay="0"/>
+                            </p:stCondLst>
+                            <p:childTnLst>
+                              <p:par>
+                                <p:cTn id="21" presetID="1" presetClass="entr" presetSubtype="0" fill="hold" grpId="0" nodeType="clickEffect">
+                                  <p:stCondLst>
+                                    <p:cond delay="0"/>
+                                  </p:stCondLst>
+                                  <p:childTnLst>
+                                    <p:set>
+                                      <p:cBhvr>
+                                        <p:cTn id="22" dur="1" fill="hold">
+                                          <p:stCondLst>
+                                            <p:cond delay="0"/>
+                                          </p:stCondLst>
+                                        </p:cTn>
+                                        <p:tgtEl>
+                                          <p:spTgt spid="3">
+                                            <p:txEl>
+                                              <p:pRg st="4" end="4"/>
+                                            </p:txEl>
+                                          </p:spTgt>
+                                        </p:tgtEl>
+                                        <p:attrNameLst>
+                                          <p:attrName>style.visibility</p:attrName>
+                                        </p:attrNameLst>
+                                      </p:cBhvr>
+                                      <p:to>
+                                        <p:strVal val="visible"/>
+                                      </p:to>
+                                    </p:set>
+                                  </p:childTnLst>
+                                </p:cTn>
+                              </p:par>
+                            </p:childTnLst>
+                          </p:cTn>
+                        </p:par>
+                      </p:childTnLst>
+                    </p:cTn>
+                  </p:par>
+                  <p:par>
+                    <p:cTn id="23" fill="hold">
+                      <p:stCondLst>
+                        <p:cond delay="indefinite"/>
+                      </p:stCondLst>
+                      <p:childTnLst>
+                        <p:par>
+                          <p:cTn id="24" fill="hold">
+                            <p:stCondLst>
+                              <p:cond delay="0"/>
+                            </p:stCondLst>
+                            <p:childTnLst>
+                              <p:par>
+                                <p:cTn id="25" presetID="1" presetClass="entr" presetSubtype="0" fill="hold" grpId="0" nodeType="clickEffect">
+                                  <p:stCondLst>
+                                    <p:cond delay="0"/>
+                                  </p:stCondLst>
+                                  <p:childTnLst>
+                                    <p:set>
+                                      <p:cBhvr>
+                                        <p:cTn id="26" dur="1" fill="hold">
+                                          <p:stCondLst>
+                                            <p:cond delay="0"/>
+                                          </p:stCondLst>
+                                        </p:cTn>
+                                        <p:tgtEl>
+                                          <p:spTgt spid="3">
+                                            <p:txEl>
+                                              <p:pRg st="5" end="5"/>
+                                            </p:txEl>
+                                          </p:spTgt>
+                                        </p:tgtEl>
+                                        <p:attrNameLst>
+                                          <p:attrName>style.visibility</p:attrName>
+                                        </p:attrNameLst>
+                                      </p:cBhvr>
+                                      <p:to>
+                                        <p:strVal val="visible"/>
+                                      </p:to>
+                                    </p:set>
+                                  </p:childTnLst>
+                                </p:cTn>
+                              </p:par>
+                            </p:childTnLst>
+                          </p:cTn>
+                        </p:par>
+                      </p:childTnLst>
+                    </p:cTn>
+                  </p:par>
+                  <p:par>
+                    <p:cTn id="27" fill="hold">
+                      <p:stCondLst>
+                        <p:cond delay="indefinite"/>
+                      </p:stCondLst>
+                      <p:childTnLst>
+                        <p:par>
+                          <p:cTn id="28" fill="hold">
+                            <p:stCondLst>
+                              <p:cond delay="0"/>
+                            </p:stCondLst>
+                            <p:childTnLst>
+                              <p:par>
+                                <p:cTn id="29" presetID="1" presetClass="entr" presetSubtype="0" fill="hold" grpId="0" nodeType="clickEffect">
+                                  <p:stCondLst>
+                                    <p:cond delay="0"/>
+                                  </p:stCondLst>
+                                  <p:childTnLst>
+                                    <p:set>
+                                      <p:cBhvr>
+                                        <p:cTn id="30" dur="1" fill="hold">
+                                          <p:stCondLst>
+                                            <p:cond delay="0"/>
+                                          </p:stCondLst>
+                                        </p:cTn>
+                                        <p:tgtEl>
+                                          <p:spTgt spid="3">
+                                            <p:txEl>
+                                              <p:pRg st="6" end="6"/>
+                                            </p:txEl>
+                                          </p:spTgt>
+                                        </p:tgtEl>
+                                        <p:attrNameLst>
+                                          <p:attrName>style.visibility</p:attrName>
+                                        </p:attrNameLst>
+                                      </p:cBhvr>
+                                      <p:to>
+                                        <p:strVal val="visible"/>
+                                      </p:to>
+                                    </p:set>
+                                  </p:childTnLst>
+                                </p:cTn>
+                              </p:par>
+                            </p:childTnLst>
+                          </p:cTn>
+                        </p:par>
+                      </p:childTnLst>
+                    </p:cTn>
+                  </p:par>
+                </p:childTnLst>
+              </p:cTn>
+              <p:prevCondLst>
+                <p:cond evt="onPrev" delay="0">
+                  <p:tgtEl>
+                    <p:sldTgt/>
+                  </p:tgtEl>
+                </p:cond>
+              </p:prevCondLst>
+              <p:nextCondLst>
+                <p:cond evt="onNext" delay="0">
+                  <p:tgtEl>
+                    <p:sldTgt/>
+                  </p:tgtEl>
+                </p:cond>
+              </p:nextCondLst>
+            </p:seq>
+          </p:childTnLst>
+        </p:cTn>
+      </p:par>
+    </p:tnLst>
+    <p:bldLst>
+      <p:bldP spid="3" grpId="0" uiExpand="1" build="p"/>
+    </p:bldLst>
+  </p:timing>
+</p:sld>
+</file>
+
+<file path=ppt/slides/slide15.xml><?xml version="1.0" encoding="utf-8"?>
+<p:sld xmlns:a="http://schemas.openxmlformats.org/drawingml/2006/main" xmlns:r="http://schemas.openxmlformats.org/officeDocument/2006/relationships" xmlns:p="http://schemas.openxmlformats.org/presentationml/2006/main">
+  <p:cSld>
+    <p:spTree>
+      <p:nvGrpSpPr>
+        <p:cNvPr id="1" name=""/>
+        <p:cNvGrpSpPr/>
+        <p:nvPr/>
+      </p:nvGrpSpPr>
+      <p:grpSpPr>
+        <a:xfrm>
+          <a:off x="0" y="0"/>
+          <a:ext cx="0" cy="0"/>
+          <a:chOff x="0" y="0"/>
+          <a:chExt cx="0" cy="0"/>
+        </a:xfrm>
+      </p:grpSpPr>
+      <p:sp>
+        <p:nvSpPr>
+          <p:cNvPr id="2" name="Title 1">
+            <a:extLst>
+              <a:ext uri="{FF2B5EF4-FFF2-40B4-BE49-F238E27FC236}">
+                <a16:creationId xmlns:a16="http://schemas.microsoft.com/office/drawing/2014/main" id="{DD9B8E45-0772-954C-8D4B-6E6808DFEDED}"/>
+              </a:ext>
+            </a:extLst>
+          </p:cNvPr>
+          <p:cNvSpPr>
+            <a:spLocks noGrp="1"/>
+          </p:cNvSpPr>
+          <p:nvPr>
+            <p:ph type="title"/>
+          </p:nvPr>
+        </p:nvSpPr>
+        <p:spPr>
+          <a:xfrm>
+            <a:off x="838200" y="365129"/>
+            <a:ext cx="10002520" cy="1325563"/>
+          </a:xfrm>
+          <a:prstGeom prst="rect">
+            <a:avLst/>
+          </a:prstGeom>
+        </p:spPr>
+        <p:txBody>
+          <a:bodyPr/>
+          <a:lstStyle/>
+          <a:p>
+            <a:pPr lvl="0" indent="0" marL="0">
+              <a:buNone/>
+            </a:pPr>
+            <a:r>
+              <a:rPr/>
+              <a:t>Reflective Account 2</a:t>
+            </a:r>
+          </a:p>
+        </p:txBody>
+      </p:sp>
+      <p:sp>
+        <p:nvSpPr>
+          <p:cNvPr id="3" name="Content Placeholder 2">
+            <a:extLst>
+              <a:ext uri="{FF2B5EF4-FFF2-40B4-BE49-F238E27FC236}">
+                <a16:creationId xmlns:a16="http://schemas.microsoft.com/office/drawing/2014/main" id="{A4EB24F9-04F1-C843-9D71-56C5C024552B}"/>
+              </a:ext>
+            </a:extLst>
+          </p:cNvPr>
+          <p:cNvSpPr>
+            <a:spLocks noGrp="1"/>
+          </p:cNvSpPr>
+          <p:nvPr>
+            <p:ph idx="1"/>
+          </p:nvPr>
+        </p:nvSpPr>
+        <p:spPr/>
+        <p:txBody>
+          <a:bodyPr/>
+          <a:lstStyle/>
+          <a:p>
+            <a:pPr lvl="0" indent="0" marL="0">
+              <a:buNone/>
+            </a:pPr>
+            <a:r>
+              <a:rPr/>
+              <a:t>Essay 2 should focus on at least one of the OTHER topics covered in the course.</a:t>
+            </a:r>
+          </a:p>
+          <a:p>
+            <a:pPr lvl="0"/>
+            <a:r>
+              <a:rPr/>
+              <a:t>This answer should focus on a primary reading and then any further reading you have done (strongly encouraged).</a:t>
+            </a:r>
+          </a:p>
+          <a:p>
+            <a:pPr lvl="0"/>
+            <a:r>
+              <a:rPr/>
+              <a:t>You must identify that primary reading explicitly in the essay itself.</a:t>
+            </a:r>
+          </a:p>
+          <a:p>
+            <a:pPr lvl="0"/>
+            <a:r>
+              <a:rPr/>
+              <a:t>You should not simply restate what the authors thought or found, but rather briefly summarise and build</a:t>
+            </a:r>
+          </a:p>
+          <a:p>
+            <a:pPr lvl="0"/>
+            <a:r>
+              <a:rPr/>
+              <a:t>Think about your perspective on the issues.</a:t>
+            </a:r>
+          </a:p>
+          <a:p>
+            <a:pPr lvl="0"/>
+            <a:r>
+              <a:rPr/>
+              <a:t>What do you think about this debate or issue? We want to know!</a:t>
+            </a:r>
+          </a:p>
+          <a:p>
+            <a:pPr lvl="0"/>
+            <a:r>
+              <a:rPr/>
+              <a:t>And what do you think are interesting directions for psychologists to take this debate or issue in the future?</a:t>
+            </a:r>
+          </a:p>
+        </p:txBody>
+      </p:sp>
+    </p:spTree>
+  </p:cSld>
+  <p:timing>
+    <p:tnLst>
+      <p:par>
+        <p:cTn id="1" dur="indefinite" restart="never" nodeType="tmRoot">
+          <p:childTnLst>
+            <p:seq concurrent="1" nextAc="seek">
+              <p:cTn id="2" dur="indefinite" nodeType="mainSeq">
+                <p:childTnLst>
+                  <p:par>
+                    <p:cTn id="3" fill="hold">
+                      <p:stCondLst>
+                        <p:cond delay="indefinite"/>
+                      </p:stCondLst>
+                      <p:childTnLst>
+                        <p:par>
+                          <p:cTn id="4" fill="hold">
+                            <p:stCondLst>
+                              <p:cond delay="0"/>
+                            </p:stCondLst>
+                            <p:childTnLst>
+                              <p:par>
+                                <p:cTn id="5" presetID="1" presetClass="entr" presetSubtype="0" fill="hold" grpId="0" nodeType="clickEffect">
+                                  <p:stCondLst>
+                                    <p:cond delay="0"/>
+                                  </p:stCondLst>
+                                  <p:childTnLst>
+                                    <p:set>
+                                      <p:cBhvr>
+                                        <p:cTn id="6" dur="1" fill="hold">
+                                          <p:stCondLst>
+                                            <p:cond delay="0"/>
+                                          </p:stCondLst>
+                                        </p:cTn>
+                                        <p:tgtEl>
+                                          <p:spTgt spid="3">
+                                            <p:txEl>
+                                              <p:pRg st="1" end="1"/>
+                                            </p:txEl>
+                                          </p:spTgt>
+                                        </p:tgtEl>
+                                        <p:attrNameLst>
+                                          <p:attrName>style.visibility</p:attrName>
+                                        </p:attrNameLst>
+                                      </p:cBhvr>
+                                      <p:to>
+                                        <p:strVal val="visible"/>
+                                      </p:to>
+                                    </p:set>
+                                  </p:childTnLst>
+                                </p:cTn>
+                              </p:par>
+                            </p:childTnLst>
+                          </p:cTn>
+                        </p:par>
+                      </p:childTnLst>
+                    </p:cTn>
+                  </p:par>
+                  <p:par>
+                    <p:cTn id="7" fill="hold">
+                      <p:stCondLst>
+                        <p:cond delay="indefinite"/>
+                      </p:stCondLst>
+                      <p:childTnLst>
+                        <p:par>
+                          <p:cTn id="8" fill="hold">
+                            <p:stCondLst>
+                              <p:cond delay="0"/>
+                            </p:stCondLst>
+                            <p:childTnLst>
+                              <p:par>
+                                <p:cTn id="9" presetID="1" presetClass="entr" presetSubtype="0" fill="hold" grpId="0" nodeType="clickEffect">
+                                  <p:stCondLst>
+                                    <p:cond delay="0"/>
+                                  </p:stCondLst>
+                                  <p:childTnLst>
+                                    <p:set>
+                                      <p:cBhvr>
+                                        <p:cTn id="10" dur="1" fill="hold">
+                                          <p:stCondLst>
+                                            <p:cond delay="0"/>
+                                          </p:stCondLst>
+                                        </p:cTn>
+                                        <p:tgtEl>
+                                          <p:spTgt spid="3">
+                                            <p:txEl>
+                                              <p:pRg st="2" end="2"/>
+                                            </p:txEl>
+                                          </p:spTgt>
+                                        </p:tgtEl>
+                                        <p:attrNameLst>
+                                          <p:attrName>style.visibility</p:attrName>
+                                        </p:attrNameLst>
+                                      </p:cBhvr>
+                                      <p:to>
+                                        <p:strVal val="visible"/>
+                                      </p:to>
+                                    </p:set>
+                                  </p:childTnLst>
+                                </p:cTn>
+                              </p:par>
+                            </p:childTnLst>
+                          </p:cTn>
+                        </p:par>
+                      </p:childTnLst>
+                    </p:cTn>
+                  </p:par>
+                  <p:par>
+                    <p:cTn id="11" fill="hold">
+                      <p:stCondLst>
+                        <p:cond delay="indefinite"/>
+                      </p:stCondLst>
+                      <p:childTnLst>
+                        <p:par>
+                          <p:cTn id="12" fill="hold">
+                            <p:stCondLst>
+                              <p:cond delay="0"/>
+                            </p:stCondLst>
+                            <p:childTnLst>
+                              <p:par>
+                                <p:cTn id="13" presetID="1" presetClass="entr" presetSubtype="0" fill="hold" grpId="0" nodeType="clickEffect">
+                                  <p:stCondLst>
+                                    <p:cond delay="0"/>
+                                  </p:stCondLst>
+                                  <p:childTnLst>
+                                    <p:set>
+                                      <p:cBhvr>
+                                        <p:cTn id="14" dur="1" fill="hold">
+                                          <p:stCondLst>
+                                            <p:cond delay="0"/>
+                                          </p:stCondLst>
+                                        </p:cTn>
+                                        <p:tgtEl>
+                                          <p:spTgt spid="3">
+                                            <p:txEl>
+                                              <p:pRg st="3" end="3"/>
+                                            </p:txEl>
+                                          </p:spTgt>
+                                        </p:tgtEl>
+                                        <p:attrNameLst>
+                                          <p:attrName>style.visibility</p:attrName>
+                                        </p:attrNameLst>
+                                      </p:cBhvr>
+                                      <p:to>
+                                        <p:strVal val="visible"/>
+                                      </p:to>
+                                    </p:set>
+                                  </p:childTnLst>
+                                </p:cTn>
+                              </p:par>
+                            </p:childTnLst>
+                          </p:cTn>
+                        </p:par>
+                      </p:childTnLst>
+                    </p:cTn>
+                  </p:par>
+                  <p:par>
+                    <p:cTn id="15" fill="hold">
+                      <p:stCondLst>
+                        <p:cond delay="indefinite"/>
+                      </p:stCondLst>
+                      <p:childTnLst>
+                        <p:par>
+                          <p:cTn id="16" fill="hold">
+                            <p:stCondLst>
+                              <p:cond delay="0"/>
+                            </p:stCondLst>
+                            <p:childTnLst>
+                              <p:par>
+                                <p:cTn id="17" presetID="1" presetClass="entr" presetSubtype="0" fill="hold" grpId="0" nodeType="clickEffect">
+                                  <p:stCondLst>
+                                    <p:cond delay="0"/>
+                                  </p:stCondLst>
+                                  <p:childTnLst>
+                                    <p:set>
+                                      <p:cBhvr>
+                                        <p:cTn id="18" dur="1" fill="hold">
+                                          <p:stCondLst>
+                                            <p:cond delay="0"/>
+                                          </p:stCondLst>
+                                        </p:cTn>
+                                        <p:tgtEl>
+                                          <p:spTgt spid="3">
+                                            <p:txEl>
+                                              <p:pRg st="4" end="4"/>
+                                            </p:txEl>
+                                          </p:spTgt>
+                                        </p:tgtEl>
+                                        <p:attrNameLst>
+                                          <p:attrName>style.visibility</p:attrName>
+                                        </p:attrNameLst>
+                                      </p:cBhvr>
+                                      <p:to>
+                                        <p:strVal val="visible"/>
+                                      </p:to>
+                                    </p:set>
+                                  </p:childTnLst>
+                                </p:cTn>
+                              </p:par>
+                            </p:childTnLst>
+                          </p:cTn>
+                        </p:par>
+                      </p:childTnLst>
+                    </p:cTn>
+                  </p:par>
+                  <p:par>
+                    <p:cTn id="19" fill="hold">
+                      <p:stCondLst>
+                        <p:cond delay="indefinite"/>
+                      </p:stCondLst>
+                      <p:childTnLst>
+                        <p:par>
+                          <p:cTn id="20" fill="hold">
+                            <p:stCondLst>
+                              <p:cond delay="0"/>
+                            </p:stCondLst>
+                            <p:childTnLst>
+                              <p:par>
+                                <p:cTn id="21" presetID="1" presetClass="entr" presetSubtype="0" fill="hold" grpId="0" nodeType="clickEffect">
+                                  <p:stCondLst>
+                                    <p:cond delay="0"/>
+                                  </p:stCondLst>
+                                  <p:childTnLst>
+                                    <p:set>
+                                      <p:cBhvr>
+                                        <p:cTn id="22" dur="1" fill="hold">
+                                          <p:stCondLst>
+                                            <p:cond delay="0"/>
+                                          </p:stCondLst>
+                                        </p:cTn>
+                                        <p:tgtEl>
+                                          <p:spTgt spid="3">
+                                            <p:txEl>
+                                              <p:pRg st="5" end="5"/>
+                                            </p:txEl>
+                                          </p:spTgt>
+                                        </p:tgtEl>
+                                        <p:attrNameLst>
+                                          <p:attrName>style.visibility</p:attrName>
+                                        </p:attrNameLst>
+                                      </p:cBhvr>
+                                      <p:to>
+                                        <p:strVal val="visible"/>
+                                      </p:to>
+                                    </p:set>
+                                  </p:childTnLst>
+                                </p:cTn>
+                              </p:par>
+                            </p:childTnLst>
+                          </p:cTn>
+                        </p:par>
+                      </p:childTnLst>
+                    </p:cTn>
+                  </p:par>
+                  <p:par>
+                    <p:cTn id="23" fill="hold">
+                      <p:stCondLst>
+                        <p:cond delay="indefinite"/>
+                      </p:stCondLst>
+                      <p:childTnLst>
+                        <p:par>
+                          <p:cTn id="24" fill="hold">
+                            <p:stCondLst>
+                              <p:cond delay="0"/>
+                            </p:stCondLst>
+                            <p:childTnLst>
+                              <p:par>
+                                <p:cTn id="25" presetID="1" presetClass="entr" presetSubtype="0" fill="hold" grpId="0" nodeType="clickEffect">
+                                  <p:stCondLst>
+                                    <p:cond delay="0"/>
+                                  </p:stCondLst>
+                                  <p:childTnLst>
+                                    <p:set>
+                                      <p:cBhvr>
+                                        <p:cTn id="26" dur="1" fill="hold">
+                                          <p:stCondLst>
+                                            <p:cond delay="0"/>
+                                          </p:stCondLst>
+                                        </p:cTn>
+                                        <p:tgtEl>
+                                          <p:spTgt spid="3">
+                                            <p:txEl>
+                                              <p:pRg st="6" end="6"/>
+                                            </p:txEl>
+                                          </p:spTgt>
+                                        </p:tgtEl>
+                                        <p:attrNameLst>
+                                          <p:attrName>style.visibility</p:attrName>
+                                        </p:attrNameLst>
+                                      </p:cBhvr>
+                                      <p:to>
+                                        <p:strVal val="visible"/>
+                                      </p:to>
+                                    </p:set>
+                                  </p:childTnLst>
+                                </p:cTn>
+                              </p:par>
+                            </p:childTnLst>
+                          </p:cTn>
+                        </p:par>
+                      </p:childTnLst>
+                    </p:cTn>
+                  </p:par>
+                </p:childTnLst>
+              </p:cTn>
+              <p:prevCondLst>
+                <p:cond evt="onPrev" delay="0">
+                  <p:tgtEl>
+                    <p:sldTgt/>
+                  </p:tgtEl>
+                </p:cond>
+              </p:prevCondLst>
+              <p:nextCondLst>
+                <p:cond evt="onNext" delay="0">
+                  <p:tgtEl>
+                    <p:sldTgt/>
+                  </p:tgtEl>
+                </p:cond>
+              </p:nextCondLst>
+            </p:seq>
+          </p:childTnLst>
+        </p:cTn>
+      </p:par>
+    </p:tnLst>
+    <p:bldLst>
+      <p:bldP spid="3" grpId="0" uiExpand="1" build="p"/>
+    </p:bldLst>
+  </p:timing>
+</p:sld>
+</file>
+
+<file path=ppt/slides/slide16.xml><?xml version="1.0" encoding="utf-8"?>
+<p:sld xmlns:a="http://schemas.openxmlformats.org/drawingml/2006/main" xmlns:r="http://schemas.openxmlformats.org/officeDocument/2006/relationships" xmlns:p="http://schemas.openxmlformats.org/presentationml/2006/main">
+  <p:cSld>
+    <p:spTree>
+      <p:nvGrpSpPr>
+        <p:cNvPr id="1" name=""/>
+        <p:cNvGrpSpPr/>
+        <p:nvPr/>
+      </p:nvGrpSpPr>
+      <p:grpSpPr>
+        <a:xfrm>
+          <a:off x="0" y="0"/>
+          <a:ext cx="0" cy="0"/>
+          <a:chOff x="0" y="0"/>
+          <a:chExt cx="0" cy="0"/>
+        </a:xfrm>
+      </p:grpSpPr>
+      <p:sp>
+        <p:nvSpPr>
+          <p:cNvPr id="2" name="Title 1">
+            <a:extLst>
+              <a:ext uri="{FF2B5EF4-FFF2-40B4-BE49-F238E27FC236}">
+                <a16:creationId xmlns:a16="http://schemas.microsoft.com/office/drawing/2014/main" id="{DD9B8E45-0772-954C-8D4B-6E6808DFEDED}"/>
+              </a:ext>
+            </a:extLst>
+          </p:cNvPr>
+          <p:cNvSpPr>
+            <a:spLocks noGrp="1"/>
+          </p:cNvSpPr>
+          <p:nvPr>
+            <p:ph type="title"/>
+          </p:nvPr>
+        </p:nvSpPr>
+        <p:spPr>
+          <a:xfrm>
+            <a:off x="838200" y="365129"/>
+            <a:ext cx="10002520" cy="1325563"/>
+          </a:xfrm>
+          <a:prstGeom prst="rect">
+            <a:avLst/>
+          </a:prstGeom>
+        </p:spPr>
+        <p:txBody>
+          <a:bodyPr/>
+          <a:lstStyle/>
+          <a:p>
+            <a:pPr lvl="0" indent="0" marL="0">
+              <a:buNone/>
+            </a:pPr>
+            <a:r>
+              <a:rPr/>
+              <a:t>Reflective Account 2 tips</a:t>
+            </a:r>
+          </a:p>
+        </p:txBody>
+      </p:sp>
+      <p:sp>
+        <p:nvSpPr>
+          <p:cNvPr id="3" name="Content Placeholder 2">
+            <a:extLst>
+              <a:ext uri="{FF2B5EF4-FFF2-40B4-BE49-F238E27FC236}">
+                <a16:creationId xmlns:a16="http://schemas.microsoft.com/office/drawing/2014/main" id="{A4EB24F9-04F1-C843-9D71-56C5C024552B}"/>
+              </a:ext>
+            </a:extLst>
+          </p:cNvPr>
+          <p:cNvSpPr>
+            <a:spLocks noGrp="1"/>
+          </p:cNvSpPr>
+          <p:nvPr>
+            <p:ph idx="1"/>
+          </p:nvPr>
+        </p:nvSpPr>
+        <p:spPr/>
+        <p:txBody>
+          <a:bodyPr/>
+          <a:lstStyle/>
+          <a:p>
+            <a:pPr lvl="0"/>
+            <a:r>
+              <a:rPr/>
+              <a:t>Explicitly identify a single initial reading and build upon that.</a:t>
+            </a:r>
+          </a:p>
+          <a:p>
+            <a:pPr lvl="0"/>
+            <a:r>
+              <a:rPr/>
+              <a:t>Discuss a debate or issue that you think is interesting or important</a:t>
+            </a:r>
+          </a:p>
+          <a:p>
+            <a:pPr lvl="0"/>
+            <a:r>
+              <a:rPr/>
+              <a:t>Give your own opinion and how this has developed or changed as a result of the lecture, the course more widely, and/or the reading.</a:t>
+            </a:r>
+          </a:p>
+          <a:p>
+            <a:pPr lvl="0"/>
+            <a:r>
+              <a:rPr/>
+              <a:t>Argue your opinion explicitly, own it and back it up with examples</a:t>
+            </a:r>
+          </a:p>
+          <a:p>
+            <a:pPr lvl="0"/>
+            <a:r>
+              <a:rPr/>
+              <a:t>Use evidence in your argument from a range of sources, ideally do some strategic wider reading</a:t>
+            </a:r>
+          </a:p>
+          <a:p>
+            <a:pPr lvl="0"/>
+            <a:r>
+              <a:rPr/>
+              <a:t>Present and reference it well</a:t>
+            </a:r>
+          </a:p>
+        </p:txBody>
+      </p:sp>
+    </p:spTree>
+  </p:cSld>
+  <p:timing>
+    <p:tnLst>
+      <p:par>
+        <p:cTn id="1" dur="indefinite" restart="never" nodeType="tmRoot">
+          <p:childTnLst>
+            <p:seq concurrent="1" nextAc="seek">
+              <p:cTn id="2" dur="indefinite" nodeType="mainSeq">
+                <p:childTnLst>
+                  <p:par>
+                    <p:cTn id="3" fill="hold">
+                      <p:stCondLst>
+                        <p:cond delay="indefinite"/>
+                      </p:stCondLst>
+                      <p:childTnLst>
+                        <p:par>
+                          <p:cTn id="4" fill="hold">
+                            <p:stCondLst>
+                              <p:cond delay="0"/>
+                            </p:stCondLst>
+                            <p:childTnLst>
+                              <p:par>
+                                <p:cTn id="5" presetID="1" presetClass="entr" presetSubtype="0" fill="hold" grpId="0" nodeType="clickEffect">
+                                  <p:stCondLst>
+                                    <p:cond delay="0"/>
+                                  </p:stCondLst>
+                                  <p:childTnLst>
+                                    <p:set>
+                                      <p:cBhvr>
+                                        <p:cTn id="6" dur="1" fill="hold">
+                                          <p:stCondLst>
+                                            <p:cond delay="0"/>
+                                          </p:stCondLst>
+                                        </p:cTn>
+                                        <p:tgtEl>
+                                          <p:spTgt spid="3">
+                                            <p:txEl>
+                                              <p:pRg st="0" end="0"/>
+                                            </p:txEl>
+                                          </p:spTgt>
+                                        </p:tgtEl>
+                                        <p:attrNameLst>
+                                          <p:attrName>style.visibility</p:attrName>
+                                        </p:attrNameLst>
+                                      </p:cBhvr>
+                                      <p:to>
+                                        <p:strVal val="visible"/>
+                                      </p:to>
+                                    </p:set>
+                                  </p:childTnLst>
+                                </p:cTn>
+                              </p:par>
+                            </p:childTnLst>
+                          </p:cTn>
+                        </p:par>
+                      </p:childTnLst>
+                    </p:cTn>
+                  </p:par>
+                  <p:par>
+                    <p:cTn id="7" fill="hold">
+                      <p:stCondLst>
+                        <p:cond delay="indefinite"/>
+                      </p:stCondLst>
+                      <p:childTnLst>
+                        <p:par>
+                          <p:cTn id="8" fill="hold">
+                            <p:stCondLst>
+                              <p:cond delay="0"/>
+                            </p:stCondLst>
+                            <p:childTnLst>
+                              <p:par>
+                                <p:cTn id="9" presetID="1" presetClass="entr" presetSubtype="0" fill="hold" grpId="0" nodeType="clickEffect">
+                                  <p:stCondLst>
+                                    <p:cond delay="0"/>
+                                  </p:stCondLst>
+                                  <p:childTnLst>
+                                    <p:set>
+                                      <p:cBhvr>
+                                        <p:cTn id="10" dur="1" fill="hold">
+                                          <p:stCondLst>
+                                            <p:cond delay="0"/>
+                                          </p:stCondLst>
+                                        </p:cTn>
+                                        <p:tgtEl>
+                                          <p:spTgt spid="3">
+                                            <p:txEl>
+                                              <p:pRg st="1" end="1"/>
+                                            </p:txEl>
+                                          </p:spTgt>
+                                        </p:tgtEl>
+                                        <p:attrNameLst>
+                                          <p:attrName>style.visibility</p:attrName>
+                                        </p:attrNameLst>
+                                      </p:cBhvr>
+                                      <p:to>
+                                        <p:strVal val="visible"/>
+                                      </p:to>
+                                    </p:set>
+                                  </p:childTnLst>
+                                </p:cTn>
+                              </p:par>
+                            </p:childTnLst>
+                          </p:cTn>
+                        </p:par>
+                      </p:childTnLst>
+                    </p:cTn>
+                  </p:par>
+                  <p:par>
+                    <p:cTn id="11" fill="hold">
+                      <p:stCondLst>
+                        <p:cond delay="indefinite"/>
+                      </p:stCondLst>
+                      <p:childTnLst>
+                        <p:par>
+                          <p:cTn id="12" fill="hold">
+                            <p:stCondLst>
+                              <p:cond delay="0"/>
+                            </p:stCondLst>
+                            <p:childTnLst>
+                              <p:par>
+                                <p:cTn id="13" presetID="1" presetClass="entr" presetSubtype="0" fill="hold" grpId="0" nodeType="clickEffect">
+                                  <p:stCondLst>
+                                    <p:cond delay="0"/>
+                                  </p:stCondLst>
+                                  <p:childTnLst>
+                                    <p:set>
+                                      <p:cBhvr>
+                                        <p:cTn id="14" dur="1" fill="hold">
+                                          <p:stCondLst>
+                                            <p:cond delay="0"/>
+                                          </p:stCondLst>
+                                        </p:cTn>
+                                        <p:tgtEl>
+                                          <p:spTgt spid="3">
+                                            <p:txEl>
+                                              <p:pRg st="2" end="2"/>
+                                            </p:txEl>
+                                          </p:spTgt>
+                                        </p:tgtEl>
+                                        <p:attrNameLst>
+                                          <p:attrName>style.visibility</p:attrName>
+                                        </p:attrNameLst>
+                                      </p:cBhvr>
+                                      <p:to>
+                                        <p:strVal val="visible"/>
+                                      </p:to>
+                                    </p:set>
+                                  </p:childTnLst>
+                                </p:cTn>
+                              </p:par>
+                            </p:childTnLst>
+                          </p:cTn>
+                        </p:par>
+                      </p:childTnLst>
+                    </p:cTn>
+                  </p:par>
+                  <p:par>
+                    <p:cTn id="15" fill="hold">
+                      <p:stCondLst>
+                        <p:cond delay="indefinite"/>
+                      </p:stCondLst>
+                      <p:childTnLst>
+                        <p:par>
+                          <p:cTn id="16" fill="hold">
+                            <p:stCondLst>
+                              <p:cond delay="0"/>
+                            </p:stCondLst>
+                            <p:childTnLst>
+                              <p:par>
+                                <p:cTn id="17" presetID="1" presetClass="entr" presetSubtype="0" fill="hold" grpId="0" nodeType="clickEffect">
+                                  <p:stCondLst>
+                                    <p:cond delay="0"/>
+                                  </p:stCondLst>
+                                  <p:childTnLst>
+                                    <p:set>
+                                      <p:cBhvr>
+                                        <p:cTn id="18" dur="1" fill="hold">
+                                          <p:stCondLst>
+                                            <p:cond delay="0"/>
+                                          </p:stCondLst>
+                                        </p:cTn>
+                                        <p:tgtEl>
+                                          <p:spTgt spid="3">
+                                            <p:txEl>
+                                              <p:pRg st="3" end="3"/>
+                                            </p:txEl>
+                                          </p:spTgt>
+                                        </p:tgtEl>
+                                        <p:attrNameLst>
+                                          <p:attrName>style.visibility</p:attrName>
+                                        </p:attrNameLst>
+                                      </p:cBhvr>
+                                      <p:to>
+                                        <p:strVal val="visible"/>
+                                      </p:to>
+                                    </p:set>
+                                  </p:childTnLst>
+                                </p:cTn>
+                              </p:par>
+                            </p:childTnLst>
+                          </p:cTn>
+                        </p:par>
+                      </p:childTnLst>
+                    </p:cTn>
+                  </p:par>
+                  <p:par>
+                    <p:cTn id="19" fill="hold">
+                      <p:stCondLst>
+                        <p:cond delay="indefinite"/>
+                      </p:stCondLst>
+                      <p:childTnLst>
+                        <p:par>
+                          <p:cTn id="20" fill="hold">
+                            <p:stCondLst>
+                              <p:cond delay="0"/>
+                            </p:stCondLst>
+                            <p:childTnLst>
+                              <p:par>
+                                <p:cTn id="21" presetID="1" presetClass="entr" presetSubtype="0" fill="hold" grpId="0" nodeType="clickEffect">
+                                  <p:stCondLst>
+                                    <p:cond delay="0"/>
+                                  </p:stCondLst>
+                                  <p:childTnLst>
+                                    <p:set>
+                                      <p:cBhvr>
+                                        <p:cTn id="22" dur="1" fill="hold">
+                                          <p:stCondLst>
+                                            <p:cond delay="0"/>
+                                          </p:stCondLst>
+                                        </p:cTn>
+                                        <p:tgtEl>
+                                          <p:spTgt spid="3">
+                                            <p:txEl>
+                                              <p:pRg st="4" end="4"/>
+                                            </p:txEl>
+                                          </p:spTgt>
+                                        </p:tgtEl>
+                                        <p:attrNameLst>
+                                          <p:attrName>style.visibility</p:attrName>
+                                        </p:attrNameLst>
+                                      </p:cBhvr>
+                                      <p:to>
+                                        <p:strVal val="visible"/>
+                                      </p:to>
+                                    </p:set>
+                                  </p:childTnLst>
+                                </p:cTn>
+                              </p:par>
+                            </p:childTnLst>
+                          </p:cTn>
+                        </p:par>
+                      </p:childTnLst>
+                    </p:cTn>
+                  </p:par>
+                  <p:par>
+                    <p:cTn id="23" fill="hold">
+                      <p:stCondLst>
+                        <p:cond delay="indefinite"/>
+                      </p:stCondLst>
+                      <p:childTnLst>
+                        <p:par>
+                          <p:cTn id="24" fill="hold">
+                            <p:stCondLst>
+                              <p:cond delay="0"/>
+                            </p:stCondLst>
+                            <p:childTnLst>
+                              <p:par>
+                                <p:cTn id="25" presetID="1" presetClass="entr" presetSubtype="0" fill="hold" grpId="0" nodeType="clickEffect">
+                                  <p:stCondLst>
+                                    <p:cond delay="0"/>
+                                  </p:stCondLst>
+                                  <p:childTnLst>
+                                    <p:set>
+                                      <p:cBhvr>
+                                        <p:cTn id="26" dur="1" fill="hold">
+                                          <p:stCondLst>
+                                            <p:cond delay="0"/>
+                                          </p:stCondLst>
+                                        </p:cTn>
+                                        <p:tgtEl>
+                                          <p:spTgt spid="3">
+                                            <p:txEl>
+                                              <p:pRg st="5" end="5"/>
+                                            </p:txEl>
+                                          </p:spTgt>
+                                        </p:tgtEl>
+                                        <p:attrNameLst>
+                                          <p:attrName>style.visibility</p:attrName>
+                                        </p:attrNameLst>
+                                      </p:cBhvr>
+                                      <p:to>
+                                        <p:strVal val="visible"/>
+                                      </p:to>
+                                    </p:set>
+                                  </p:childTnLst>
+                                </p:cTn>
+                              </p:par>
+                            </p:childTnLst>
+                          </p:cTn>
+                        </p:par>
+                      </p:childTnLst>
+                    </p:cTn>
+                  </p:par>
+                </p:childTnLst>
+              </p:cTn>
+              <p:prevCondLst>
+                <p:cond evt="onPrev" delay="0">
+                  <p:tgtEl>
+                    <p:sldTgt/>
+                  </p:tgtEl>
+                </p:cond>
+              </p:prevCondLst>
+              <p:nextCondLst>
+                <p:cond evt="onNext" delay="0">
+                  <p:tgtEl>
+                    <p:sldTgt/>
+                  </p:tgtEl>
+                </p:cond>
+              </p:nextCondLst>
+            </p:seq>
+          </p:childTnLst>
+        </p:cTn>
+      </p:par>
+    </p:tnLst>
+    <p:bldLst>
+      <p:bldP spid="3" grpId="0" uiExpand="1" build="p"/>
+    </p:bldLst>
+  </p:timing>
+</p:sld>
+</file>
+
+<file path=ppt/slides/slide17.xml><?xml version="1.0" encoding="utf-8"?>
+<p:sld xmlns:a="http://schemas.openxmlformats.org/drawingml/2006/main" xmlns:r="http://schemas.openxmlformats.org/officeDocument/2006/relationships" xmlns:p="http://schemas.openxmlformats.org/presentationml/2006/main">
+  <p:cSld>
+    <p:spTree>
+      <p:nvGrpSpPr>
+        <p:cNvPr id="1" name=""/>
+        <p:cNvGrpSpPr/>
+        <p:nvPr/>
+      </p:nvGrpSpPr>
+      <p:grpSpPr>
+        <a:xfrm>
+          <a:off x="0" y="0"/>
+          <a:ext cx="0" cy="0"/>
+          <a:chOff x="0" y="0"/>
+          <a:chExt cx="0" cy="0"/>
+        </a:xfrm>
+      </p:grpSpPr>
+      <p:sp>
+        <p:nvSpPr>
+          <p:cNvPr id="2" name="Title 1">
+            <a:extLst>
+              <a:ext uri="{FF2B5EF4-FFF2-40B4-BE49-F238E27FC236}">
+                <a16:creationId xmlns:a16="http://schemas.microsoft.com/office/drawing/2014/main" id="{DD9B8E45-0772-954C-8D4B-6E6808DFEDED}"/>
+              </a:ext>
+            </a:extLst>
+          </p:cNvPr>
+          <p:cNvSpPr>
+            <a:spLocks noGrp="1"/>
+          </p:cNvSpPr>
+          <p:nvPr>
+            <p:ph type="title"/>
+          </p:nvPr>
+        </p:nvSpPr>
+        <p:spPr>
+          <a:xfrm>
+            <a:off x="838200" y="365129"/>
+            <a:ext cx="10002520" cy="1325563"/>
+          </a:xfrm>
+          <a:prstGeom prst="rect">
+            <a:avLst/>
+          </a:prstGeom>
+        </p:spPr>
+        <p:txBody>
+          <a:bodyPr/>
+          <a:lstStyle/>
+          <a:p>
+            <a:pPr lvl="0" indent="0" marL="0">
+              <a:buNone/>
+            </a:pPr>
+            <a:r>
+              <a:rPr/>
+              <a:t>Overlapping content</a:t>
+            </a:r>
+          </a:p>
+        </p:txBody>
+      </p:sp>
+      <p:sp>
+        <p:nvSpPr>
+          <p:cNvPr id="3" name="Content Placeholder 2">
+            <a:extLst>
+              <a:ext uri="{FF2B5EF4-FFF2-40B4-BE49-F238E27FC236}">
+                <a16:creationId xmlns:a16="http://schemas.microsoft.com/office/drawing/2014/main" id="{A4EB24F9-04F1-C843-9D71-56C5C024552B}"/>
+              </a:ext>
+            </a:extLst>
+          </p:cNvPr>
+          <p:cNvSpPr>
+            <a:spLocks noGrp="1"/>
+          </p:cNvSpPr>
+          <p:nvPr>
+            <p:ph idx="1"/>
+          </p:nvPr>
+        </p:nvSpPr>
+        <p:spPr/>
+        <p:txBody>
+          <a:bodyPr/>
+          <a:lstStyle/>
+          <a:p>
+            <a:pPr lvl="0"/>
+            <a:r>
+              <a:rPr/>
+              <a:t>You can combine across different topics in Essay 2 (e.g., you could talk about Evolution and Consciousness, or Inclusivity and Science), and thinking about links between topics is strongly encouraged.</a:t>
+            </a:r>
+          </a:p>
+          <a:p>
+            <a:pPr lvl="0"/>
+            <a:r>
+              <a:rPr/>
+              <a:t>However, the material covered in Essay 2 must be different from Essay 1. Students will be penalised for covering identical topics.</a:t>
+            </a:r>
+          </a:p>
+        </p:txBody>
+      </p:sp>
+    </p:spTree>
+  </p:cSld>
+  <p:timing>
+    <p:tnLst>
+      <p:par>
+        <p:cTn id="1" dur="indefinite" restart="never" nodeType="tmRoot">
+          <p:childTnLst>
+            <p:seq concurrent="1" nextAc="seek">
+              <p:cTn id="2" dur="indefinite" nodeType="mainSeq">
+                <p:childTnLst>
+                  <p:par>
+                    <p:cTn id="3" fill="hold">
+                      <p:stCondLst>
+                        <p:cond delay="indefinite"/>
+                      </p:stCondLst>
+                      <p:childTnLst>
+                        <p:par>
+                          <p:cTn id="4" fill="hold">
+                            <p:stCondLst>
+                              <p:cond delay="0"/>
+                            </p:stCondLst>
+                            <p:childTnLst>
+                              <p:par>
+                                <p:cTn id="5" presetID="1" presetClass="entr" presetSubtype="0" fill="hold" grpId="0" nodeType="clickEffect">
+                                  <p:stCondLst>
+                                    <p:cond delay="0"/>
+                                  </p:stCondLst>
+                                  <p:childTnLst>
+                                    <p:set>
+                                      <p:cBhvr>
+                                        <p:cTn id="6" dur="1" fill="hold">
+                                          <p:stCondLst>
+                                            <p:cond delay="0"/>
+                                          </p:stCondLst>
+                                        </p:cTn>
+                                        <p:tgtEl>
+                                          <p:spTgt spid="3">
+                                            <p:txEl>
+                                              <p:pRg st="0" end="0"/>
+                                            </p:txEl>
+                                          </p:spTgt>
+                                        </p:tgtEl>
+                                        <p:attrNameLst>
+                                          <p:attrName>style.visibility</p:attrName>
+                                        </p:attrNameLst>
+                                      </p:cBhvr>
+                                      <p:to>
+                                        <p:strVal val="visible"/>
+                                      </p:to>
+                                    </p:set>
+                                  </p:childTnLst>
+                                </p:cTn>
+                              </p:par>
+                            </p:childTnLst>
+                          </p:cTn>
+                        </p:par>
+                      </p:childTnLst>
+                    </p:cTn>
+                  </p:par>
+                  <p:par>
+                    <p:cTn id="7" fill="hold">
+                      <p:stCondLst>
+                        <p:cond delay="indefinite"/>
+                      </p:stCondLst>
+                      <p:childTnLst>
+                        <p:par>
+                          <p:cTn id="8" fill="hold">
+                            <p:stCondLst>
+                              <p:cond delay="0"/>
+                            </p:stCondLst>
+                            <p:childTnLst>
+                              <p:par>
+                                <p:cTn id="9" presetID="1" presetClass="entr" presetSubtype="0" fill="hold" grpId="0" nodeType="clickEffect">
+                                  <p:stCondLst>
+                                    <p:cond delay="0"/>
+                                  </p:stCondLst>
+                                  <p:childTnLst>
+                                    <p:set>
+                                      <p:cBhvr>
+                                        <p:cTn id="10" dur="1" fill="hold">
+                                          <p:stCondLst>
+                                            <p:cond delay="0"/>
+                                          </p:stCondLst>
+                                        </p:cTn>
+                                        <p:tgtEl>
+                                          <p:spTgt spid="3">
+                                            <p:txEl>
+                                              <p:pRg st="1" end="1"/>
+                                            </p:txEl>
+                                          </p:spTgt>
+                                        </p:tgtEl>
+                                        <p:attrNameLst>
+                                          <p:attrName>style.visibility</p:attrName>
+                                        </p:attrNameLst>
+                                      </p:cBhvr>
+                                      <p:to>
+                                        <p:strVal val="visible"/>
+                                      </p:to>
+                                    </p:set>
+                                  </p:childTnLst>
+                                </p:cTn>
+                              </p:par>
+                            </p:childTnLst>
+                          </p:cTn>
+                        </p:par>
+                      </p:childTnLst>
+                    </p:cTn>
+                  </p:par>
+                </p:childTnLst>
+              </p:cTn>
+              <p:prevCondLst>
+                <p:cond evt="onPrev" delay="0">
+                  <p:tgtEl>
+                    <p:sldTgt/>
+                  </p:tgtEl>
+                </p:cond>
+              </p:prevCondLst>
+              <p:nextCondLst>
+                <p:cond evt="onNext" delay="0">
+                  <p:tgtEl>
+                    <p:sldTgt/>
+                  </p:tgtEl>
+                </p:cond>
+              </p:nextCondLst>
+            </p:seq>
+          </p:childTnLst>
+        </p:cTn>
+      </p:par>
+    </p:tnLst>
+    <p:bldLst>
+      <p:bldP spid="3" grpId="0" uiExpand="1" build="p"/>
+    </p:bldLst>
+  </p:timing>
+</p:sld>
+</file>
+
+<file path=ppt/slides/slide18.xml><?xml version="1.0" encoding="utf-8"?>
+<p:sld xmlns:a="http://schemas.openxmlformats.org/drawingml/2006/main" xmlns:r="http://schemas.openxmlformats.org/officeDocument/2006/relationships" xmlns:p="http://schemas.openxmlformats.org/presentationml/2006/main">
+  <p:cSld>
+    <p:spTree>
+      <p:nvGrpSpPr>
+        <p:cNvPr id="1" name=""/>
+        <p:cNvGrpSpPr/>
+        <p:nvPr/>
+      </p:nvGrpSpPr>
+      <p:grpSpPr>
+        <a:xfrm>
+          <a:off x="0" y="0"/>
+          <a:ext cx="0" cy="0"/>
+          <a:chOff x="0" y="0"/>
+          <a:chExt cx="0" cy="0"/>
+        </a:xfrm>
+      </p:grpSpPr>
+      <p:sp>
+        <p:nvSpPr>
+          <p:cNvPr id="2" name="Title 1">
+            <a:extLst>
+              <a:ext uri="{FF2B5EF4-FFF2-40B4-BE49-F238E27FC236}">
+                <a16:creationId xmlns:a16="http://schemas.microsoft.com/office/drawing/2014/main" id="{DD9B8E45-0772-954C-8D4B-6E6808DFEDED}"/>
+              </a:ext>
+            </a:extLst>
+          </p:cNvPr>
+          <p:cNvSpPr>
+            <a:spLocks noGrp="1"/>
+          </p:cNvSpPr>
+          <p:nvPr>
+            <p:ph type="title"/>
+          </p:nvPr>
+        </p:nvSpPr>
+        <p:spPr>
+          <a:xfrm>
+            <a:off x="838200" y="365129"/>
+            <a:ext cx="10002520" cy="1325563"/>
+          </a:xfrm>
+          <a:prstGeom prst="rect">
+            <a:avLst/>
+          </a:prstGeom>
+        </p:spPr>
+        <p:txBody>
+          <a:bodyPr/>
+          <a:lstStyle/>
+          <a:p>
+            <a:pPr lvl="0" indent="0" marL="0">
+              <a:buNone/>
+            </a:pPr>
+            <a:r>
+              <a:rPr/>
+              <a:t>Details</a:t>
+            </a:r>
+          </a:p>
+        </p:txBody>
+      </p:sp>
+      <p:sp>
+        <p:nvSpPr>
+          <p:cNvPr id="3" name="Content Placeholder 2">
+            <a:extLst>
+              <a:ext uri="{FF2B5EF4-FFF2-40B4-BE49-F238E27FC236}">
+                <a16:creationId xmlns:a16="http://schemas.microsoft.com/office/drawing/2014/main" id="{A4EB24F9-04F1-C843-9D71-56C5C024552B}"/>
+              </a:ext>
+            </a:extLst>
+          </p:cNvPr>
+          <p:cNvSpPr>
+            <a:spLocks noGrp="1"/>
+          </p:cNvSpPr>
+          <p:nvPr>
+            <p:ph idx="1"/>
+          </p:nvPr>
+        </p:nvSpPr>
+        <p:spPr/>
+        <p:txBody>
+          <a:bodyPr/>
+          <a:lstStyle/>
+          <a:p>
+            <a:pPr lvl="0"/>
+            <a:r>
+              <a:rPr/>
+              <a:t>Due: Friday, 12 April 2024, 12:00 Noon - about 3 weeks after the end of term</a:t>
+            </a:r>
+          </a:p>
+          <a:p>
+            <a:pPr lvl="0"/>
+            <a:r>
+              <a:rPr/>
+              <a:t>n.b. Mini-Dissertation Due: Friday, 22 March 2024, 12:00 Noon</a:t>
+            </a:r>
+          </a:p>
+          <a:p>
+            <a:pPr lvl="0"/>
+            <a:r>
+              <a:rPr/>
+              <a:t>Both answers should be written in essay-style prose (e.g., with APA references where you refer to sources) put in a single document and submitted to the coursework submission page.</a:t>
+            </a:r>
+          </a:p>
+          <a:p>
+            <a:pPr lvl="0"/>
+            <a:r>
+              <a:rPr/>
+              <a:t>Max 600 words per answer (references not included in word count)</a:t>
+            </a:r>
+          </a:p>
+          <a:p>
+            <a:pPr lvl="0"/>
+            <a:r>
+              <a:rPr/>
+              <a:t>Remember that this only accounts for a smaller portion of the module grade (15%). Should hopefully be an enjoyable way to reflect on issues on the course you found interesting.</a:t>
+            </a:r>
+          </a:p>
+        </p:txBody>
+      </p:sp>
+    </p:spTree>
+  </p:cSld>
+  <p:timing>
+    <p:tnLst>
+      <p:par>
+        <p:cTn id="1" dur="indefinite" restart="never" nodeType="tmRoot">
+          <p:childTnLst>
+            <p:seq concurrent="1" nextAc="seek">
+              <p:cTn id="2" dur="indefinite" nodeType="mainSeq">
+                <p:childTnLst>
+                  <p:par>
+                    <p:cTn id="3" fill="hold">
+                      <p:stCondLst>
+                        <p:cond delay="indefinite"/>
+                      </p:stCondLst>
+                      <p:childTnLst>
+                        <p:par>
+                          <p:cTn id="4" fill="hold">
+                            <p:stCondLst>
+                              <p:cond delay="0"/>
+                            </p:stCondLst>
+                            <p:childTnLst>
+                              <p:par>
+                                <p:cTn id="5" presetID="1" presetClass="entr" presetSubtype="0" fill="hold" grpId="0" nodeType="clickEffect">
+                                  <p:stCondLst>
+                                    <p:cond delay="0"/>
+                                  </p:stCondLst>
+                                  <p:childTnLst>
+                                    <p:set>
+                                      <p:cBhvr>
+                                        <p:cTn id="6" dur="1" fill="hold">
+                                          <p:stCondLst>
+                                            <p:cond delay="0"/>
+                                          </p:stCondLst>
+                                        </p:cTn>
+                                        <p:tgtEl>
+                                          <p:spTgt spid="3">
+                                            <p:txEl>
+                                              <p:pRg st="0" end="0"/>
+                                            </p:txEl>
+                                          </p:spTgt>
+                                        </p:tgtEl>
+                                        <p:attrNameLst>
+                                          <p:attrName>style.visibility</p:attrName>
+                                        </p:attrNameLst>
+                                      </p:cBhvr>
+                                      <p:to>
+                                        <p:strVal val="visible"/>
+                                      </p:to>
+                                    </p:set>
+                                  </p:childTnLst>
+                                </p:cTn>
+                              </p:par>
+                            </p:childTnLst>
+                          </p:cTn>
+                        </p:par>
+                      </p:childTnLst>
+                    </p:cTn>
+                  </p:par>
+                  <p:par>
+                    <p:cTn id="7" fill="hold">
+                      <p:stCondLst>
+                        <p:cond delay="indefinite"/>
+                      </p:stCondLst>
+                      <p:childTnLst>
+                        <p:par>
+                          <p:cTn id="8" fill="hold">
+                            <p:stCondLst>
+                              <p:cond delay="0"/>
+                            </p:stCondLst>
+                            <p:childTnLst>
+                              <p:par>
+                                <p:cTn id="9" presetID="1" presetClass="entr" presetSubtype="0" fill="hold" grpId="0" nodeType="clickEffect">
+                                  <p:stCondLst>
+                                    <p:cond delay="0"/>
+                                  </p:stCondLst>
+                                  <p:childTnLst>
+                                    <p:set>
+                                      <p:cBhvr>
+                                        <p:cTn id="10" dur="1" fill="hold">
+                                          <p:stCondLst>
+                                            <p:cond delay="0"/>
+                                          </p:stCondLst>
+                                        </p:cTn>
+                                        <p:tgtEl>
+                                          <p:spTgt spid="3">
+                                            <p:txEl>
+                                              <p:pRg st="1" end="1"/>
+                                            </p:txEl>
+                                          </p:spTgt>
+                                        </p:tgtEl>
+                                        <p:attrNameLst>
+                                          <p:attrName>style.visibility</p:attrName>
+                                        </p:attrNameLst>
+                                      </p:cBhvr>
+                                      <p:to>
+                                        <p:strVal val="visible"/>
+                                      </p:to>
+                                    </p:set>
+                                  </p:childTnLst>
+                                </p:cTn>
+                              </p:par>
+                            </p:childTnLst>
+                          </p:cTn>
+                        </p:par>
+                      </p:childTnLst>
+                    </p:cTn>
+                  </p:par>
+                  <p:par>
+                    <p:cTn id="11" fill="hold">
+                      <p:stCondLst>
+                        <p:cond delay="indefinite"/>
+                      </p:stCondLst>
+                      <p:childTnLst>
+                        <p:par>
+                          <p:cTn id="12" fill="hold">
+                            <p:stCondLst>
+                              <p:cond delay="0"/>
+                            </p:stCondLst>
+                            <p:childTnLst>
+                              <p:par>
+                                <p:cTn id="13" presetID="1" presetClass="entr" presetSubtype="0" fill="hold" grpId="0" nodeType="clickEffect">
+                                  <p:stCondLst>
+                                    <p:cond delay="0"/>
+                                  </p:stCondLst>
+                                  <p:childTnLst>
+                                    <p:set>
+                                      <p:cBhvr>
+                                        <p:cTn id="14" dur="1" fill="hold">
+                                          <p:stCondLst>
+                                            <p:cond delay="0"/>
+                                          </p:stCondLst>
+                                        </p:cTn>
+                                        <p:tgtEl>
+                                          <p:spTgt spid="3">
+                                            <p:txEl>
+                                              <p:pRg st="2" end="2"/>
+                                            </p:txEl>
+                                          </p:spTgt>
+                                        </p:tgtEl>
+                                        <p:attrNameLst>
+                                          <p:attrName>style.visibility</p:attrName>
+                                        </p:attrNameLst>
+                                      </p:cBhvr>
+                                      <p:to>
+                                        <p:strVal val="visible"/>
+                                      </p:to>
+                                    </p:set>
+                                  </p:childTnLst>
+                                </p:cTn>
+                              </p:par>
+                            </p:childTnLst>
+                          </p:cTn>
+                        </p:par>
+                      </p:childTnLst>
+                    </p:cTn>
+                  </p:par>
+                  <p:par>
+                    <p:cTn id="15" fill="hold">
+                      <p:stCondLst>
+                        <p:cond delay="indefinite"/>
+                      </p:stCondLst>
+                      <p:childTnLst>
+                        <p:par>
+                          <p:cTn id="16" fill="hold">
+                            <p:stCondLst>
+                              <p:cond delay="0"/>
+                            </p:stCondLst>
+                            <p:childTnLst>
+                              <p:par>
+                                <p:cTn id="17" presetID="1" presetClass="entr" presetSubtype="0" fill="hold" grpId="0" nodeType="clickEffect">
+                                  <p:stCondLst>
+                                    <p:cond delay="0"/>
+                                  </p:stCondLst>
+                                  <p:childTnLst>
+                                    <p:set>
+                                      <p:cBhvr>
+                                        <p:cTn id="18" dur="1" fill="hold">
+                                          <p:stCondLst>
+                                            <p:cond delay="0"/>
+                                          </p:stCondLst>
+                                        </p:cTn>
+                                        <p:tgtEl>
+                                          <p:spTgt spid="3">
+                                            <p:txEl>
+                                              <p:pRg st="3" end="3"/>
+                                            </p:txEl>
+                                          </p:spTgt>
+                                        </p:tgtEl>
+                                        <p:attrNameLst>
+                                          <p:attrName>style.visibility</p:attrName>
+                                        </p:attrNameLst>
+                                      </p:cBhvr>
+                                      <p:to>
+                                        <p:strVal val="visible"/>
+                                      </p:to>
+                                    </p:set>
+                                  </p:childTnLst>
+                                </p:cTn>
+                              </p:par>
+                            </p:childTnLst>
+                          </p:cTn>
+                        </p:par>
+                      </p:childTnLst>
+                    </p:cTn>
+                  </p:par>
+                  <p:par>
+                    <p:cTn id="19" fill="hold">
+                      <p:stCondLst>
+                        <p:cond delay="indefinite"/>
+                      </p:stCondLst>
+                      <p:childTnLst>
+                        <p:par>
+                          <p:cTn id="20" fill="hold">
+                            <p:stCondLst>
+                              <p:cond delay="0"/>
+                            </p:stCondLst>
+                            <p:childTnLst>
+                              <p:par>
+                                <p:cTn id="21" presetID="1" presetClass="entr" presetSubtype="0" fill="hold" grpId="0" nodeType="clickEffect">
+                                  <p:stCondLst>
+                                    <p:cond delay="0"/>
+                                  </p:stCondLst>
+                                  <p:childTnLst>
+                                    <p:set>
+                                      <p:cBhvr>
+                                        <p:cTn id="22" dur="1" fill="hold">
+                                          <p:stCondLst>
+                                            <p:cond delay="0"/>
+                                          </p:stCondLst>
+                                        </p:cTn>
+                                        <p:tgtEl>
+                                          <p:spTgt spid="3">
+                                            <p:txEl>
+                                              <p:pRg st="4" end="4"/>
+                                            </p:txEl>
+                                          </p:spTgt>
+                                        </p:tgtEl>
+                                        <p:attrNameLst>
+                                          <p:attrName>style.visibility</p:attrName>
+                                        </p:attrNameLst>
+                                      </p:cBhvr>
+                                      <p:to>
+                                        <p:strVal val="visible"/>
+                                      </p:to>
+                                    </p:set>
+                                  </p:childTnLst>
+                                </p:cTn>
+                              </p:par>
+                            </p:childTnLst>
+                          </p:cTn>
+                        </p:par>
+                      </p:childTnLst>
+                    </p:cTn>
+                  </p:par>
+                </p:childTnLst>
+              </p:cTn>
+              <p:prevCondLst>
+                <p:cond evt="onPrev" delay="0">
+                  <p:tgtEl>
+                    <p:sldTgt/>
+                  </p:tgtEl>
+                </p:cond>
+              </p:prevCondLst>
+              <p:nextCondLst>
+                <p:cond evt="onNext" delay="0">
+                  <p:tgtEl>
+                    <p:sldTgt/>
+                  </p:tgtEl>
+                </p:cond>
+              </p:nextCondLst>
+            </p:seq>
+          </p:childTnLst>
+        </p:cTn>
+      </p:par>
+    </p:tnLst>
+    <p:bldLst>
+      <p:bldP spid="3" grpId="0" uiExpand="1" build="p"/>
+    </p:bldLst>
+  </p:timing>
+</p:sld>
+</file>
+
+<file path=ppt/slides/slide19.xml><?xml version="1.0" encoding="utf-8"?>
+<p:sld xmlns:a="http://schemas.openxmlformats.org/drawingml/2006/main" xmlns:r="http://schemas.openxmlformats.org/officeDocument/2006/relationships" xmlns:p="http://schemas.openxmlformats.org/presentationml/2006/main">
+  <p:cSld>
+    <p:spTree>
+      <p:nvGrpSpPr>
+        <p:cNvPr id="1" name=""/>
+        <p:cNvGrpSpPr/>
+        <p:nvPr/>
+      </p:nvGrpSpPr>
+      <p:grpSpPr>
+        <a:xfrm>
+          <a:off x="0" y="0"/>
+          <a:ext cx="0" cy="0"/>
+          <a:chOff x="0" y="0"/>
+          <a:chExt cx="0" cy="0"/>
+        </a:xfrm>
+      </p:grpSpPr>
+      <p:sp>
+        <p:nvSpPr>
+          <p:cNvPr id="2" name="Title 1">
+            <a:extLst>
+              <a:ext uri="{FF2B5EF4-FFF2-40B4-BE49-F238E27FC236}">
+                <a16:creationId xmlns:a16="http://schemas.microsoft.com/office/drawing/2014/main" id="{DD9B8E45-0772-954C-8D4B-6E6808DFEDED}"/>
+              </a:ext>
+            </a:extLst>
+          </p:cNvPr>
+          <p:cNvSpPr>
+            <a:spLocks noGrp="1"/>
+          </p:cNvSpPr>
+          <p:nvPr>
+            <p:ph type="title"/>
+          </p:nvPr>
+        </p:nvSpPr>
+        <p:spPr>
+          <a:xfrm>
+            <a:off x="838200" y="365129"/>
+            <a:ext cx="10002520" cy="1325563"/>
+          </a:xfrm>
+          <a:prstGeom prst="rect">
+            <a:avLst/>
+          </a:prstGeom>
+        </p:spPr>
+        <p:txBody>
+          <a:bodyPr/>
+          <a:lstStyle/>
+          <a:p>
+            <a:pPr lvl="0" indent="0" marL="0">
+              <a:buNone/>
+            </a:pPr>
+            <a:r>
+              <a:rPr/>
+              <a:t>Is this a CHIP-able topic?</a:t>
+            </a:r>
+          </a:p>
+        </p:txBody>
+      </p:sp>
+      <p:pic>
+        <p:nvPicPr>
+          <p:cNvPr descr="images/Lecture15-7.png" id="0" name="Picture 1"/>
+          <p:cNvPicPr>
+            <a:picLocks noGrp="1" noChangeAspect="1"/>
+          </p:cNvPicPr>
+          <p:nvPr/>
+        </p:nvPicPr>
+        <p:blipFill>
+          <a:blip r:embed="rId2"/>
+          <a:stretch>
+            <a:fillRect/>
+          </a:stretch>
+        </p:blipFill>
+        <p:spPr bwMode="auto">
+          <a:xfrm>
+            <a:off x="838200" y="2628900"/>
+            <a:ext cx="10515600" cy="2717800"/>
+          </a:xfrm>
+          <a:prstGeom prst="rect">
+            <a:avLst/>
+          </a:prstGeom>
+          <a:noFill/>
+          <a:ln w="9525">
+            <a:noFill/>
+            <a:headEnd/>
+            <a:tailEnd/>
+          </a:ln>
+        </p:spPr>
+      </p:pic>
+    </p:spTree>
+  </p:cSld>
+</p:sld>
+</file>
+
+<file path=ppt/slides/slide2.xml><?xml version="1.0" encoding="utf-8"?>
+<p:sld xmlns:a="http://schemas.openxmlformats.org/drawingml/2006/main" xmlns:r="http://schemas.openxmlformats.org/officeDocument/2006/relationships" xmlns:p="http://schemas.openxmlformats.org/presentationml/2006/main">
+  <p:cSld>
+    <p:spTree>
+      <p:nvGrpSpPr>
+        <p:cNvPr id="1" name=""/>
+        <p:cNvGrpSpPr/>
+        <p:nvPr/>
+      </p:nvGrpSpPr>
+      <p:grpSpPr>
+        <a:xfrm>
+          <a:off x="0" y="0"/>
+          <a:ext cx="0" cy="0"/>
+          <a:chOff x="0" y="0"/>
+          <a:chExt cx="0" cy="0"/>
+        </a:xfrm>
+      </p:grpSpPr>
+      <p:sp>
+        <p:nvSpPr>
+          <p:cNvPr id="2" name="Title 1">
+            <a:extLst>
+              <a:ext uri="{FF2B5EF4-FFF2-40B4-BE49-F238E27FC236}">
+                <a16:creationId xmlns:a16="http://schemas.microsoft.com/office/drawing/2014/main" id="{DD9B8E45-0772-954C-8D4B-6E6808DFEDED}"/>
+              </a:ext>
+            </a:extLst>
+          </p:cNvPr>
+          <p:cNvSpPr>
+            <a:spLocks noGrp="1"/>
+          </p:cNvSpPr>
+          <p:nvPr>
+            <p:ph type="title"/>
+          </p:nvPr>
+        </p:nvSpPr>
+        <p:spPr>
+          <a:xfrm>
+            <a:off x="838200" y="365129"/>
+            <a:ext cx="10002520" cy="1325563"/>
+          </a:xfrm>
+          <a:prstGeom prst="rect">
+            <a:avLst/>
+          </a:prstGeom>
+        </p:spPr>
+        <p:txBody>
+          <a:bodyPr/>
+          <a:lstStyle/>
+          <a:p>
+            <a:pPr lvl="0" indent="0" marL="0">
+              <a:buNone/>
+            </a:pPr>
+            <a:r>
+              <a:rPr/>
+              <a:t>A number of topics to cover today</a:t>
+            </a:r>
+          </a:p>
+        </p:txBody>
+      </p:sp>
+      <p:sp>
+        <p:nvSpPr>
+          <p:cNvPr id="3" name="Content Placeholder 2">
+            <a:extLst>
+              <a:ext uri="{FF2B5EF4-FFF2-40B4-BE49-F238E27FC236}">
+                <a16:creationId xmlns:a16="http://schemas.microsoft.com/office/drawing/2014/main" id="{A4EB24F9-04F1-C843-9D71-56C5C024552B}"/>
+              </a:ext>
+            </a:extLst>
+          </p:cNvPr>
+          <p:cNvSpPr>
+            <a:spLocks noGrp="1"/>
+          </p:cNvSpPr>
+          <p:nvPr>
+            <p:ph idx="1"/>
+          </p:nvPr>
+        </p:nvSpPr>
+        <p:spPr/>
+        <p:txBody>
+          <a:bodyPr/>
+          <a:lstStyle/>
+          <a:p>
+            <a:pPr lvl="0" indent="0" marL="0">
+              <a:buNone/>
+            </a:pPr>
+            <a:r>
+              <a:rPr/>
+              <a:t>With the goal of clearing the decks before Reading Week</a:t>
+            </a:r>
+          </a:p>
+          <a:p>
+            <a:pPr lvl="0"/>
+            <a:r>
+              <a:rPr/>
+              <a:t>Thank you to everyone who contributed so wonderfully on Thursday</a:t>
+            </a:r>
+          </a:p>
+          <a:p>
+            <a:pPr lvl="0"/>
+            <a:r>
+              <a:rPr/>
+              <a:t>Review existing materials available to you for the Mini-Dissertation</a:t>
+            </a:r>
+          </a:p>
+          <a:p>
+            <a:pPr lvl="0"/>
+            <a:r>
+              <a:rPr/>
+              <a:t>Labs tomorrow will be focused on finalising data collection and a data audit</a:t>
+            </a:r>
+          </a:p>
+          <a:p>
+            <a:pPr lvl="0"/>
+            <a:r>
+              <a:rPr/>
+              <a:t>CHIP topics</a:t>
+            </a:r>
+          </a:p>
+        </p:txBody>
+      </p:sp>
+    </p:spTree>
+  </p:cSld>
+  <p:timing>
+    <p:tnLst>
+      <p:par>
+        <p:cTn id="1" dur="indefinite" restart="never" nodeType="tmRoot">
+          <p:childTnLst>
+            <p:seq concurrent="1" nextAc="seek">
+              <p:cTn id="2" dur="indefinite" nodeType="mainSeq">
+                <p:childTnLst>
+                  <p:par>
+                    <p:cTn id="3" fill="hold">
+                      <p:stCondLst>
+                        <p:cond delay="indefinite"/>
+                      </p:stCondLst>
+                      <p:childTnLst>
+                        <p:par>
+                          <p:cTn id="4" fill="hold">
+                            <p:stCondLst>
+                              <p:cond delay="0"/>
+                            </p:stCondLst>
+                            <p:childTnLst>
+                              <p:par>
+                                <p:cTn id="5" presetID="1" presetClass="entr" presetSubtype="0" fill="hold" grpId="0" nodeType="clickEffect">
+                                  <p:stCondLst>
+                                    <p:cond delay="0"/>
+                                  </p:stCondLst>
+                                  <p:childTnLst>
+                                    <p:set>
+                                      <p:cBhvr>
+                                        <p:cTn id="6" dur="1" fill="hold">
+                                          <p:stCondLst>
+                                            <p:cond delay="0"/>
+                                          </p:stCondLst>
+                                        </p:cTn>
+                                        <p:tgtEl>
+                                          <p:spTgt spid="3">
+                                            <p:txEl>
+                                              <p:pRg st="1" end="1"/>
+                                            </p:txEl>
+                                          </p:spTgt>
+                                        </p:tgtEl>
+                                        <p:attrNameLst>
+                                          <p:attrName>style.visibility</p:attrName>
+                                        </p:attrNameLst>
+                                      </p:cBhvr>
+                                      <p:to>
+                                        <p:strVal val="visible"/>
+                                      </p:to>
+                                    </p:set>
+                                  </p:childTnLst>
+                                </p:cTn>
+                              </p:par>
+                            </p:childTnLst>
+                          </p:cTn>
+                        </p:par>
+                      </p:childTnLst>
+                    </p:cTn>
+                  </p:par>
+                  <p:par>
+                    <p:cTn id="7" fill="hold">
+                      <p:stCondLst>
+                        <p:cond delay="indefinite"/>
+                      </p:stCondLst>
+                      <p:childTnLst>
+                        <p:par>
+                          <p:cTn id="8" fill="hold">
+                            <p:stCondLst>
+                              <p:cond delay="0"/>
+                            </p:stCondLst>
+                            <p:childTnLst>
+                              <p:par>
+                                <p:cTn id="9" presetID="1" presetClass="entr" presetSubtype="0" fill="hold" grpId="0" nodeType="clickEffect">
+                                  <p:stCondLst>
+                                    <p:cond delay="0"/>
+                                  </p:stCondLst>
+                                  <p:childTnLst>
+                                    <p:set>
+                                      <p:cBhvr>
+                                        <p:cTn id="10" dur="1" fill="hold">
+                                          <p:stCondLst>
+                                            <p:cond delay="0"/>
+                                          </p:stCondLst>
+                                        </p:cTn>
+                                        <p:tgtEl>
+                                          <p:spTgt spid="3">
+                                            <p:txEl>
+                                              <p:pRg st="2" end="2"/>
+                                            </p:txEl>
+                                          </p:spTgt>
+                                        </p:tgtEl>
+                                        <p:attrNameLst>
+                                          <p:attrName>style.visibility</p:attrName>
+                                        </p:attrNameLst>
+                                      </p:cBhvr>
+                                      <p:to>
+                                        <p:strVal val="visible"/>
+                                      </p:to>
+                                    </p:set>
+                                  </p:childTnLst>
+                                </p:cTn>
+                              </p:par>
+                            </p:childTnLst>
+                          </p:cTn>
+                        </p:par>
+                      </p:childTnLst>
+                    </p:cTn>
+                  </p:par>
+                  <p:par>
+                    <p:cTn id="11" fill="hold">
+                      <p:stCondLst>
+                        <p:cond delay="indefinite"/>
+                      </p:stCondLst>
+                      <p:childTnLst>
+                        <p:par>
+                          <p:cTn id="12" fill="hold">
+                            <p:stCondLst>
+                              <p:cond delay="0"/>
+                            </p:stCondLst>
+                            <p:childTnLst>
+                              <p:par>
+                                <p:cTn id="13" presetID="1" presetClass="entr" presetSubtype="0" fill="hold" grpId="0" nodeType="clickEffect">
+                                  <p:stCondLst>
+                                    <p:cond delay="0"/>
+                                  </p:stCondLst>
+                                  <p:childTnLst>
+                                    <p:set>
+                                      <p:cBhvr>
+                                        <p:cTn id="14" dur="1" fill="hold">
+                                          <p:stCondLst>
+                                            <p:cond delay="0"/>
+                                          </p:stCondLst>
+                                        </p:cTn>
+                                        <p:tgtEl>
+                                          <p:spTgt spid="3">
+                                            <p:txEl>
+                                              <p:pRg st="3" end="3"/>
+                                            </p:txEl>
+                                          </p:spTgt>
+                                        </p:tgtEl>
+                                        <p:attrNameLst>
+                                          <p:attrName>style.visibility</p:attrName>
+                                        </p:attrNameLst>
+                                      </p:cBhvr>
+                                      <p:to>
+                                        <p:strVal val="visible"/>
+                                      </p:to>
+                                    </p:set>
+                                  </p:childTnLst>
+                                </p:cTn>
+                              </p:par>
+                            </p:childTnLst>
+                          </p:cTn>
+                        </p:par>
+                      </p:childTnLst>
+                    </p:cTn>
+                  </p:par>
+                  <p:par>
+                    <p:cTn id="15" fill="hold">
+                      <p:stCondLst>
+                        <p:cond delay="indefinite"/>
+                      </p:stCondLst>
+                      <p:childTnLst>
+                        <p:par>
+                          <p:cTn id="16" fill="hold">
+                            <p:stCondLst>
+                              <p:cond delay="0"/>
+                            </p:stCondLst>
+                            <p:childTnLst>
+                              <p:par>
+                                <p:cTn id="17" presetID="1" presetClass="entr" presetSubtype="0" fill="hold" grpId="0" nodeType="clickEffect">
+                                  <p:stCondLst>
+                                    <p:cond delay="0"/>
+                                  </p:stCondLst>
+                                  <p:childTnLst>
+                                    <p:set>
+                                      <p:cBhvr>
+                                        <p:cTn id="18" dur="1" fill="hold">
+                                          <p:stCondLst>
+                                            <p:cond delay="0"/>
+                                          </p:stCondLst>
+                                        </p:cTn>
+                                        <p:tgtEl>
+                                          <p:spTgt spid="3">
+                                            <p:txEl>
+                                              <p:pRg st="4" end="4"/>
+                                            </p:txEl>
+                                          </p:spTgt>
+                                        </p:tgtEl>
+                                        <p:attrNameLst>
+                                          <p:attrName>style.visibility</p:attrName>
+                                        </p:attrNameLst>
+                                      </p:cBhvr>
+                                      <p:to>
+                                        <p:strVal val="visible"/>
+                                      </p:to>
+                                    </p:set>
+                                  </p:childTnLst>
+                                </p:cTn>
+                              </p:par>
+                            </p:childTnLst>
+                          </p:cTn>
+                        </p:par>
+                      </p:childTnLst>
+                    </p:cTn>
+                  </p:par>
+                </p:childTnLst>
+              </p:cTn>
+              <p:prevCondLst>
+                <p:cond evt="onPrev" delay="0">
+                  <p:tgtEl>
+                    <p:sldTgt/>
+                  </p:tgtEl>
+                </p:cond>
+              </p:prevCondLst>
+              <p:nextCondLst>
+                <p:cond evt="onNext" delay="0">
+                  <p:tgtEl>
+                    <p:sldTgt/>
+                  </p:tgtEl>
+                </p:cond>
+              </p:nextCondLst>
+            </p:seq>
+          </p:childTnLst>
+        </p:cTn>
+      </p:par>
+    </p:tnLst>
+    <p:bldLst>
+      <p:bldP spid="3" grpId="0" uiExpand="1" build="p"/>
+    </p:bldLst>
+  </p:timing>
+</p:sld>
+</file>
+
+<file path=ppt/slides/slide20.xml><?xml version="1.0" encoding="utf-8"?>
+<p:sld xmlns:a="http://schemas.openxmlformats.org/drawingml/2006/main" xmlns:r="http://schemas.openxmlformats.org/officeDocument/2006/relationships" xmlns:p="http://schemas.openxmlformats.org/presentationml/2006/main">
+  <p:cSld>
+    <p:spTree>
+      <p:nvGrpSpPr>
+        <p:cNvPr id="1" name=""/>
+        <p:cNvGrpSpPr/>
+        <p:nvPr/>
+      </p:nvGrpSpPr>
+      <p:grpSpPr>
+        <a:xfrm>
+          <a:off x="0" y="0"/>
+          <a:ext cx="0" cy="0"/>
+          <a:chOff x="0" y="0"/>
+          <a:chExt cx="0" cy="0"/>
+        </a:xfrm>
+      </p:grpSpPr>
+      <p:sp>
+        <p:nvSpPr>
+          <p:cNvPr id="2" name="Title 1">
+            <a:extLst>
+              <a:ext uri="{FF2B5EF4-FFF2-40B4-BE49-F238E27FC236}">
+                <a16:creationId xmlns:a16="http://schemas.microsoft.com/office/drawing/2014/main" id="{FF6A6CB2-D1B6-B94A-84C1-83C65423C650}"/>
+              </a:ext>
+            </a:extLst>
+          </p:cNvPr>
+          <p:cNvSpPr>
+            <a:spLocks noGrp="1"/>
+          </p:cNvSpPr>
+          <p:nvPr>
+            <p:ph type="title"/>
+          </p:nvPr>
+        </p:nvSpPr>
+        <p:spPr>
+          <a:xfrm>
+            <a:off x="831851" y="1709742"/>
+            <a:ext cx="10515600" cy="2852737"/>
+          </a:xfrm>
+          <a:prstGeom prst="rect">
+            <a:avLst/>
+          </a:prstGeom>
+        </p:spPr>
+        <p:txBody>
+          <a:bodyPr/>
+          <a:lstStyle/>
+          <a:p>
+            <a:pPr lvl="0" indent="0" marL="0">
+              <a:buNone/>
+            </a:pPr>
+            <a:r>
+              <a:rPr/>
+              <a:t>Any Questions?</a:t>
+            </a:r>
+          </a:p>
+        </p:txBody>
+      </p:sp>
+    </p:spTree>
+  </p:cSld>
+</p:sld>
+</file>
+
+<file path=ppt/slides/slide3.xml><?xml version="1.0" encoding="utf-8"?>
+<p:sld xmlns:a="http://schemas.openxmlformats.org/drawingml/2006/main" xmlns:r="http://schemas.openxmlformats.org/officeDocument/2006/relationships" xmlns:p="http://schemas.openxmlformats.org/presentationml/2006/main">
+  <p:cSld>
+    <p:spTree>
+      <p:nvGrpSpPr>
+        <p:cNvPr id="1" name=""/>
+        <p:cNvGrpSpPr/>
+        <p:nvPr/>
+      </p:nvGrpSpPr>
+      <p:grpSpPr>
+        <a:xfrm>
+          <a:off x="0" y="0"/>
+          <a:ext cx="0" cy="0"/>
+          <a:chOff x="0" y="0"/>
+          <a:chExt cx="0" cy="0"/>
+        </a:xfrm>
+      </p:grpSpPr>
+      <p:sp>
+        <p:nvSpPr>
+          <p:cNvPr id="2" name="Title 1">
+            <a:extLst>
+              <a:ext uri="{FF2B5EF4-FFF2-40B4-BE49-F238E27FC236}">
+                <a16:creationId xmlns:a16="http://schemas.microsoft.com/office/drawing/2014/main" id="{F3186003-B489-CA46-A95C-C1AECC0CA4D3}"/>
+              </a:ext>
+            </a:extLst>
+          </p:cNvPr>
+          <p:cNvSpPr>
+            <a:spLocks noGrp="1"/>
+          </p:cNvSpPr>
+          <p:nvPr>
+            <p:ph type="title"/>
+          </p:nvPr>
+        </p:nvSpPr>
+        <p:spPr>
+          <a:xfrm>
+            <a:off x="839788" y="457200"/>
+            <a:ext cx="3932237" cy="1600200"/>
+          </a:xfrm>
+          <a:prstGeom prst="rect">
+            <a:avLst/>
+          </a:prstGeom>
+        </p:spPr>
+        <p:txBody>
+          <a:bodyPr/>
+          <a:lstStyle/>
+          <a:p>
+            <a:pPr lvl="0" indent="0" marL="0">
+              <a:buNone/>
+            </a:pPr>
+            <a:r>
+              <a:rPr/>
+              <a:t>Thank you</a:t>
+            </a:r>
+          </a:p>
+        </p:txBody>
+      </p:sp>
+      <p:sp>
+        <p:nvSpPr>
+          <p:cNvPr id="4" name="Text Placeholder 3">
+            <a:extLst>
+              <a:ext uri="{FF2B5EF4-FFF2-40B4-BE49-F238E27FC236}">
+                <a16:creationId xmlns:a16="http://schemas.microsoft.com/office/drawing/2014/main" id="{898BA411-2A54-A94A-B3FC-826281DBEADF}"/>
+              </a:ext>
+            </a:extLst>
+          </p:cNvPr>
+          <p:cNvSpPr>
+            <a:spLocks noGrp="1"/>
+          </p:cNvSpPr>
+          <p:nvPr>
+            <p:ph idx="2" sz="half" type="body"/>
+          </p:nvPr>
+        </p:nvSpPr>
+        <p:spPr/>
+        <p:txBody>
+          <a:bodyPr/>
+          <a:lstStyle/>
+          <a:p>
+            <a:pPr lvl="0" indent="0" marL="0">
+              <a:buNone/>
+            </a:pPr>
+            <a:r>
+              <a:rPr/>
+              <a:t>I was really pleased to see you all contribute to Thursday and the First Years are all very grateful</a:t>
+            </a:r>
+          </a:p>
+          <a:p>
+            <a:pPr lvl="0" indent="0" marL="0">
+              <a:buNone/>
+            </a:pPr>
+            <a:r>
+              <a:rPr/>
+              <a:t>. . .</a:t>
+            </a:r>
+          </a:p>
+          <a:p>
+            <a:pPr lvl="0" indent="0" marL="0">
+              <a:buNone/>
+            </a:pPr>
+            <a:r>
+              <a:rPr/>
+              <a:t>Some of you might have noticed that there was an extra option available to the First Years…</a:t>
+            </a:r>
+          </a:p>
+        </p:txBody>
+      </p:sp>
+      <p:pic>
+        <p:nvPicPr>
+          <p:cNvPr descr="images/Lecture15_2.png" id="0" name="Picture 1"/>
+          <p:cNvPicPr>
+            <a:picLocks noGrp="1" noChangeAspect="1"/>
+          </p:cNvPicPr>
+          <p:nvPr/>
+        </p:nvPicPr>
+        <p:blipFill>
+          <a:blip r:embed="rId2"/>
+          <a:stretch>
+            <a:fillRect/>
+          </a:stretch>
+        </p:blipFill>
+        <p:spPr bwMode="auto">
+          <a:xfrm>
+            <a:off x="5181600" y="2413000"/>
+            <a:ext cx="6172200" cy="1993900"/>
+          </a:xfrm>
+          <a:prstGeom prst="rect">
+            <a:avLst/>
+          </a:prstGeom>
+          <a:noFill/>
+          <a:ln w="9525">
+            <a:noFill/>
+            <a:headEnd/>
+            <a:tailEnd/>
+          </a:ln>
+        </p:spPr>
+      </p:pic>
+    </p:spTree>
+  </p:cSld>
+</p:sld>
+</file>
+
+<file path=ppt/slides/slide4.xml><?xml version="1.0" encoding="utf-8"?>
+<p:sld xmlns:a="http://schemas.openxmlformats.org/drawingml/2006/main" xmlns:r="http://schemas.openxmlformats.org/officeDocument/2006/relationships" xmlns:p="http://schemas.openxmlformats.org/presentationml/2006/main">
+  <p:cSld>
+    <p:spTree>
+      <p:nvGrpSpPr>
+        <p:cNvPr id="1" name=""/>
+        <p:cNvGrpSpPr/>
+        <p:nvPr/>
+      </p:nvGrpSpPr>
+      <p:grpSpPr>
+        <a:xfrm>
+          <a:off x="0" y="0"/>
+          <a:ext cx="0" cy="0"/>
+          <a:chOff x="0" y="0"/>
+          <a:chExt cx="0" cy="0"/>
+        </a:xfrm>
+      </p:grpSpPr>
+      <p:sp>
+        <p:nvSpPr>
+          <p:cNvPr id="2" name="Title 1">
+            <a:extLst>
+              <a:ext uri="{FF2B5EF4-FFF2-40B4-BE49-F238E27FC236}">
+                <a16:creationId xmlns:a16="http://schemas.microsoft.com/office/drawing/2014/main" id="{DD9B8E45-0772-954C-8D4B-6E6808DFEDED}"/>
+              </a:ext>
+            </a:extLst>
+          </p:cNvPr>
+          <p:cNvSpPr>
+            <a:spLocks noGrp="1"/>
+          </p:cNvSpPr>
+          <p:nvPr>
+            <p:ph type="title"/>
+          </p:nvPr>
+        </p:nvSpPr>
+        <p:spPr>
+          <a:xfrm>
+            <a:off x="838200" y="365129"/>
+            <a:ext cx="10002520" cy="1325563"/>
+          </a:xfrm>
+          <a:prstGeom prst="rect">
+            <a:avLst/>
+          </a:prstGeom>
+        </p:spPr>
+        <p:txBody>
+          <a:bodyPr/>
+          <a:lstStyle/>
+          <a:p>
+            <a:pPr lvl="0" indent="0" marL="0">
+              <a:buNone/>
+            </a:pPr>
+            <a:r>
+              <a:rPr/>
+              <a:t>Results will be announced in the last lecture!</a:t>
+            </a:r>
+          </a:p>
+        </p:txBody>
+      </p:sp>
+      <p:pic>
+        <p:nvPicPr>
+          <p:cNvPr descr="images/Lecture15-3.png" id="0" name="Picture 1"/>
+          <p:cNvPicPr>
+            <a:picLocks noGrp="1" noChangeAspect="1"/>
+          </p:cNvPicPr>
+          <p:nvPr/>
+        </p:nvPicPr>
+        <p:blipFill>
+          <a:blip r:embed="rId2"/>
+          <a:stretch>
+            <a:fillRect/>
+          </a:stretch>
+        </p:blipFill>
+        <p:spPr bwMode="auto">
+          <a:xfrm>
+            <a:off x="2286000" y="1816100"/>
+            <a:ext cx="7607300" cy="4343400"/>
+          </a:xfrm>
+          <a:prstGeom prst="rect">
+            <a:avLst/>
+          </a:prstGeom>
+          <a:noFill/>
+          <a:ln w="9525">
+            <a:noFill/>
+            <a:headEnd/>
+            <a:tailEnd/>
+          </a:ln>
+        </p:spPr>
+      </p:pic>
+    </p:spTree>
+  </p:cSld>
+</p:sld>
+</file>
+
+<file path=ppt/slides/slide5.xml><?xml version="1.0" encoding="utf-8"?>
+<p:sld xmlns:a="http://schemas.openxmlformats.org/drawingml/2006/main" xmlns:r="http://schemas.openxmlformats.org/officeDocument/2006/relationships" xmlns:p="http://schemas.openxmlformats.org/presentationml/2006/main">
+  <p:cSld>
+    <p:spTree>
+      <p:nvGrpSpPr>
+        <p:cNvPr id="1" name=""/>
+        <p:cNvGrpSpPr/>
+        <p:nvPr/>
+      </p:nvGrpSpPr>
+      <p:grpSpPr>
+        <a:xfrm>
+          <a:off x="0" y="0"/>
+          <a:ext cx="0" cy="0"/>
+          <a:chOff x="0" y="0"/>
+          <a:chExt cx="0" cy="0"/>
+        </a:xfrm>
+      </p:grpSpPr>
+      <p:sp>
+        <p:nvSpPr>
+          <p:cNvPr id="2" name="Title 1">
+            <a:extLst>
+              <a:ext uri="{FF2B5EF4-FFF2-40B4-BE49-F238E27FC236}">
+                <a16:creationId xmlns:a16="http://schemas.microsoft.com/office/drawing/2014/main" id="{DD9B8E45-0772-954C-8D4B-6E6808DFEDED}"/>
+              </a:ext>
+            </a:extLst>
+          </p:cNvPr>
+          <p:cNvSpPr>
+            <a:spLocks noGrp="1"/>
+          </p:cNvSpPr>
+          <p:nvPr>
+            <p:ph type="title"/>
+          </p:nvPr>
+        </p:nvSpPr>
+        <p:spPr>
+          <a:xfrm>
+            <a:off x="838200" y="365129"/>
+            <a:ext cx="10002520" cy="1325563"/>
+          </a:xfrm>
+          <a:prstGeom prst="rect">
+            <a:avLst/>
+          </a:prstGeom>
+        </p:spPr>
+        <p:txBody>
+          <a:bodyPr/>
+          <a:lstStyle/>
+          <a:p>
+            <a:pPr lvl="0" indent="0" marL="0">
+              <a:buNone/>
+            </a:pPr>
+            <a:r>
+              <a:rPr/>
+              <a:t>I just want to recap the materials available on the VLE</a:t>
+            </a:r>
+          </a:p>
+        </p:txBody>
+      </p:sp>
+      <p:pic>
+        <p:nvPicPr>
+          <p:cNvPr descr="images/Lecture15-4-02.png" id="0" name="Picture 1"/>
+          <p:cNvPicPr>
+            <a:picLocks noGrp="1" noChangeAspect="1"/>
+          </p:cNvPicPr>
+          <p:nvPr/>
+        </p:nvPicPr>
+        <p:blipFill>
+          <a:blip r:embed="rId2"/>
+          <a:stretch>
+            <a:fillRect/>
+          </a:stretch>
+        </p:blipFill>
+        <p:spPr bwMode="auto">
+          <a:xfrm>
+            <a:off x="2298700" y="1816100"/>
+            <a:ext cx="7607300" cy="4343400"/>
+          </a:xfrm>
+          <a:prstGeom prst="rect">
+            <a:avLst/>
+          </a:prstGeom>
+          <a:noFill/>
+          <a:ln w="9525">
+            <a:noFill/>
+            <a:headEnd/>
+            <a:tailEnd/>
+          </a:ln>
+        </p:spPr>
+      </p:pic>
+    </p:spTree>
+  </p:cSld>
+</p:sld>
+</file>
+
 <file path=ppt/slides/slide6.xml><?xml version="1.0" encoding="utf-8"?>
 <p:sld xmlns:a="http://schemas.openxmlformats.org/drawingml/2006/main" xmlns:r="http://schemas.openxmlformats.org/officeDocument/2006/relationships" xmlns:p="http://schemas.openxmlformats.org/presentationml/2006/main">
   <p:cSld>
@@ -5549,7 +9018,7 @@
           <p:cNvPr id="2" name="Title 1">
             <a:extLst>
               <a:ext uri="{FF2B5EF4-FFF2-40B4-BE49-F238E27FC236}">
-                <a16:creationId xmlns:a16="http://schemas.microsoft.com/office/drawing/2014/main" id="{FF6A6CB2-D1B6-B94A-84C1-83C65423C650}"/>
+                <a16:creationId xmlns:a16="http://schemas.microsoft.com/office/drawing/2014/main" id="{DD9B8E45-0772-954C-8D4B-6E6808DFEDED}"/>
               </a:ext>
             </a:extLst>
           </p:cNvPr>
@@ -5562,8 +9031,8 @@
         </p:nvSpPr>
         <p:spPr>
           <a:xfrm>
-            <a:off x="831851" y="1709742"/>
-            <a:ext cx="10515600" cy="2852737"/>
+            <a:off x="838200" y="365129"/>
+            <a:ext cx="10002520" cy="1325563"/>
           </a:xfrm>
           <a:prstGeom prst="rect">
             <a:avLst/>
@@ -5578,11 +9047,41 @@
             </a:pPr>
             <a:r>
               <a:rPr/>
-              <a:t>Any Questions?</a:t>
-            </a:r>
-          </a:p>
-        </p:txBody>
-      </p:sp>
+              <a:t>Mini-Dissertation Writing Guides</a:t>
+            </a:r>
+          </a:p>
+        </p:txBody>
+      </p:sp>
+      <p:pic>
+        <p:nvPicPr>
+          <p:cNvPr descr="images/Lecture15-5.png" id="0" name="Picture 1"/>
+          <p:cNvPicPr>
+            <a:picLocks noGrp="1" noChangeAspect="1"/>
+          </p:cNvPicPr>
+          <p:nvPr/>
+        </p:nvPicPr>
+        <p:blipFill>
+          <a:blip r:embed="rId2"/>
+          <a:stretch>
+            <a:fillRect/>
+          </a:stretch>
+        </p:blipFill>
+        <p:spPr bwMode="auto">
+          <a:xfrm>
+            <a:off x="3975100" y="1816100"/>
+            <a:ext cx="4241800" cy="4343400"/>
+          </a:xfrm>
+          <a:prstGeom prst="rect">
+            <a:avLst/>
+          </a:prstGeom>
+          <a:noFill/>
+          <a:ln w="9525">
+            <a:noFill/>
+            <a:headEnd/>
+            <a:tailEnd/>
+          </a:ln>
+        </p:spPr>
+      </p:pic>
     </p:spTree>
   </p:cSld>
 </p:sld>
@@ -5639,7 +9138,220 @@
             </a:pPr>
             <a:r>
               <a:rPr/>
-              <a:t>References</a:t>
+              <a:t>Mini-Dissertation Resources</a:t>
+            </a:r>
+          </a:p>
+        </p:txBody>
+      </p:sp>
+      <p:pic>
+        <p:nvPicPr>
+          <p:cNvPr descr="images/Lecture15-6.png" id="0" name="Picture 1"/>
+          <p:cNvPicPr>
+            <a:picLocks noGrp="1" noChangeAspect="1"/>
+          </p:cNvPicPr>
+          <p:nvPr/>
+        </p:nvPicPr>
+        <p:blipFill>
+          <a:blip r:embed="rId2"/>
+          <a:stretch>
+            <a:fillRect/>
+          </a:stretch>
+        </p:blipFill>
+        <p:spPr bwMode="auto">
+          <a:xfrm>
+            <a:off x="1790700" y="1816100"/>
+            <a:ext cx="8610600" cy="4343400"/>
+          </a:xfrm>
+          <a:prstGeom prst="rect">
+            <a:avLst/>
+          </a:prstGeom>
+          <a:noFill/>
+          <a:ln w="9525">
+            <a:noFill/>
+            <a:headEnd/>
+            <a:tailEnd/>
+          </a:ln>
+        </p:spPr>
+      </p:pic>
+    </p:spTree>
+  </p:cSld>
+</p:sld>
+</file>
+
+<file path=ppt/slides/slide8.xml><?xml version="1.0" encoding="utf-8"?>
+<p:sld xmlns:a="http://schemas.openxmlformats.org/drawingml/2006/main" xmlns:r="http://schemas.openxmlformats.org/officeDocument/2006/relationships" xmlns:p="http://schemas.openxmlformats.org/presentationml/2006/main">
+  <p:cSld>
+    <p:spTree>
+      <p:nvGrpSpPr>
+        <p:cNvPr id="1" name=""/>
+        <p:cNvGrpSpPr/>
+        <p:nvPr/>
+      </p:nvGrpSpPr>
+      <p:grpSpPr>
+        <a:xfrm>
+          <a:off x="0" y="0"/>
+          <a:ext cx="0" cy="0"/>
+          <a:chOff x="0" y="0"/>
+          <a:chExt cx="0" cy="0"/>
+        </a:xfrm>
+      </p:grpSpPr>
+      <p:sp>
+        <p:nvSpPr>
+          <p:cNvPr id="2" name="Title 1">
+            <a:extLst>
+              <a:ext uri="{FF2B5EF4-FFF2-40B4-BE49-F238E27FC236}">
+                <a16:creationId xmlns:a16="http://schemas.microsoft.com/office/drawing/2014/main" id="{F3186003-B489-CA46-A95C-C1AECC0CA4D3}"/>
+              </a:ext>
+            </a:extLst>
+          </p:cNvPr>
+          <p:cNvSpPr>
+            <a:spLocks noGrp="1"/>
+          </p:cNvSpPr>
+          <p:nvPr>
+            <p:ph type="title"/>
+          </p:nvPr>
+        </p:nvSpPr>
+        <p:spPr>
+          <a:xfrm>
+            <a:off x="839788" y="457200"/>
+            <a:ext cx="3932237" cy="1600200"/>
+          </a:xfrm>
+          <a:prstGeom prst="rect">
+            <a:avLst/>
+          </a:prstGeom>
+        </p:spPr>
+        <p:txBody>
+          <a:bodyPr/>
+          <a:lstStyle/>
+          <a:p>
+            <a:pPr lvl="0" indent="0" marL="0">
+              <a:buNone/>
+            </a:pPr>
+            <a:r>
+              <a:rPr/>
+              <a:t>Data Analysis</a:t>
+            </a:r>
+          </a:p>
+        </p:txBody>
+      </p:sp>
+      <p:sp>
+        <p:nvSpPr>
+          <p:cNvPr id="4" name="Text Placeholder 3">
+            <a:extLst>
+              <a:ext uri="{FF2B5EF4-FFF2-40B4-BE49-F238E27FC236}">
+                <a16:creationId xmlns:a16="http://schemas.microsoft.com/office/drawing/2014/main" id="{898BA411-2A54-A94A-B3FC-826281DBEADF}"/>
+              </a:ext>
+            </a:extLst>
+          </p:cNvPr>
+          <p:cNvSpPr>
+            <a:spLocks noGrp="1"/>
+          </p:cNvSpPr>
+          <p:nvPr>
+            <p:ph idx="2" sz="half" type="body"/>
+          </p:nvPr>
+        </p:nvSpPr>
+        <p:spPr/>
+        <p:txBody>
+          <a:bodyPr/>
+          <a:lstStyle/>
+          <a:p>
+            <a:pPr lvl="0" indent="0" marL="0">
+              <a:buNone/>
+            </a:pPr>
+            <a:r>
+              <a:rPr b="1"/>
+              <a:t>Remember, PS52005C Design &amp; Analysis is where you are taught ANOVA</a:t>
+            </a:r>
+          </a:p>
+        </p:txBody>
+      </p:sp>
+      <p:pic>
+        <p:nvPicPr>
+          <p:cNvPr descr="images/Lecture15-7%202.png" id="0" name="Picture 1"/>
+          <p:cNvPicPr>
+            <a:picLocks noGrp="1" noChangeAspect="1"/>
+          </p:cNvPicPr>
+          <p:nvPr/>
+        </p:nvPicPr>
+        <p:blipFill>
+          <a:blip r:embed="rId2"/>
+          <a:stretch>
+            <a:fillRect/>
+          </a:stretch>
+        </p:blipFill>
+        <p:spPr bwMode="auto">
+          <a:xfrm>
+            <a:off x="5181600" y="1981200"/>
+            <a:ext cx="6172200" cy="2844800"/>
+          </a:xfrm>
+          <a:prstGeom prst="rect">
+            <a:avLst/>
+          </a:prstGeom>
+          <a:noFill/>
+          <a:ln w="9525">
+            <a:noFill/>
+            <a:headEnd/>
+            <a:tailEnd/>
+          </a:ln>
+        </p:spPr>
+      </p:pic>
+    </p:spTree>
+  </p:cSld>
+</p:sld>
+</file>
+
+<file path=ppt/slides/slide9.xml><?xml version="1.0" encoding="utf-8"?>
+<p:sld xmlns:a="http://schemas.openxmlformats.org/drawingml/2006/main" xmlns:r="http://schemas.openxmlformats.org/officeDocument/2006/relationships" xmlns:p="http://schemas.openxmlformats.org/presentationml/2006/main">
+  <p:cSld>
+    <p:spTree>
+      <p:nvGrpSpPr>
+        <p:cNvPr id="1" name=""/>
+        <p:cNvGrpSpPr/>
+        <p:nvPr/>
+      </p:nvGrpSpPr>
+      <p:grpSpPr>
+        <a:xfrm>
+          <a:off x="0" y="0"/>
+          <a:ext cx="0" cy="0"/>
+          <a:chOff x="0" y="0"/>
+          <a:chExt cx="0" cy="0"/>
+        </a:xfrm>
+      </p:grpSpPr>
+      <p:sp>
+        <p:nvSpPr>
+          <p:cNvPr id="2" name="Title 1">
+            <a:extLst>
+              <a:ext uri="{FF2B5EF4-FFF2-40B4-BE49-F238E27FC236}">
+                <a16:creationId xmlns:a16="http://schemas.microsoft.com/office/drawing/2014/main" id="{FF6A6CB2-D1B6-B94A-84C1-83C65423C650}"/>
+              </a:ext>
+            </a:extLst>
+          </p:cNvPr>
+          <p:cNvSpPr>
+            <a:spLocks noGrp="1"/>
+          </p:cNvSpPr>
+          <p:nvPr>
+            <p:ph type="title"/>
+          </p:nvPr>
+        </p:nvSpPr>
+        <p:spPr>
+          <a:xfrm>
+            <a:off x="831851" y="1709742"/>
+            <a:ext cx="10515600" cy="2852737"/>
+          </a:xfrm>
+          <a:prstGeom prst="rect">
+            <a:avLst/>
+          </a:prstGeom>
+        </p:spPr>
+        <p:txBody>
+          <a:bodyPr/>
+          <a:lstStyle/>
+          <a:p>
+            <a:pPr lvl="0" indent="0" marL="0">
+              <a:buNone/>
+            </a:pPr>
+            <a:r>
+              <a:rPr/>
+              <a:t>Labs tomorrow</a:t>
             </a:r>
           </a:p>
         </p:txBody>
